--- a/Presentazione distributed Systems.pptx
+++ b/Presentazione distributed Systems.pptx
@@ -5,7 +5,7 @@
     <p:sldMasterId id="2147483658" r:id="rId1"/>
   </p:sldMasterIdLst>
   <p:notesMasterIdLst>
-    <p:notesMasterId r:id="rId26"/>
+    <p:notesMasterId r:id="rId27"/>
   </p:notesMasterIdLst>
   <p:sldIdLst>
     <p:sldId id="256" r:id="rId2"/>
@@ -23,15 +23,16 @@
     <p:sldId id="294" r:id="rId14"/>
     <p:sldId id="299" r:id="rId15"/>
     <p:sldId id="300" r:id="rId16"/>
-    <p:sldId id="295" r:id="rId17"/>
-    <p:sldId id="296" r:id="rId18"/>
-    <p:sldId id="302" r:id="rId19"/>
-    <p:sldId id="303" r:id="rId20"/>
-    <p:sldId id="304" r:id="rId21"/>
-    <p:sldId id="297" r:id="rId22"/>
-    <p:sldId id="305" r:id="rId23"/>
-    <p:sldId id="280" r:id="rId24"/>
-    <p:sldId id="298" r:id="rId25"/>
+    <p:sldId id="306" r:id="rId17"/>
+    <p:sldId id="295" r:id="rId18"/>
+    <p:sldId id="296" r:id="rId19"/>
+    <p:sldId id="302" r:id="rId20"/>
+    <p:sldId id="303" r:id="rId21"/>
+    <p:sldId id="304" r:id="rId22"/>
+    <p:sldId id="297" r:id="rId23"/>
+    <p:sldId id="305" r:id="rId24"/>
+    <p:sldId id="280" r:id="rId25"/>
+    <p:sldId id="298" r:id="rId26"/>
   </p:sldIdLst>
   <p:sldSz cx="9144000" cy="6858000" type="screen4x3"/>
   <p:notesSz cx="6858000" cy="9144000"/>
@@ -264,6 +265,11 @@
       </a:defRPr>
     </a:lvl9pPr>
   </p:defaultTextStyle>
+  <p:extLst>
+    <p:ext uri="{EFAFB233-063F-42B5-8137-9DF3F51BA10A}">
+      <p15:sldGuideLst xmlns:p15="http://schemas.microsoft.com/office/powerpoint/2012/main"/>
+    </p:ext>
+  </p:extLst>
 </p:presentation>
 </file>
 
@@ -1563,7 +1569,7 @@
     </p:spTree>
     <p:extLst>
       <p:ext uri="{BB962C8B-B14F-4D97-AF65-F5344CB8AC3E}">
-        <p14:creationId xmlns:p14="http://schemas.microsoft.com/office/powerpoint/2010/main" val="811079333"/>
+        <p14:creationId xmlns:p14="http://schemas.microsoft.com/office/powerpoint/2010/main" val="746263838"/>
       </p:ext>
     </p:extLst>
   </p:cSld>
@@ -1578,7 +1584,7 @@
   <p:cSld>
     <p:spTree>
       <p:nvGrpSpPr>
-        <p:cNvPr id="1" name="Shape 93"/>
+        <p:cNvPr id="1" name="Shape 100"/>
         <p:cNvGrpSpPr/>
         <p:nvPr/>
       </p:nvGrpSpPr>
@@ -1592,7 +1598,7 @@
       </p:grpSpPr>
       <p:sp>
         <p:nvSpPr>
-          <p:cNvPr id="94" name="Shape 94"/>
+          <p:cNvPr id="101" name="Shape 101"/>
           <p:cNvSpPr>
             <a:spLocks noGrp="1" noRot="1" noChangeAspect="1"/>
           </p:cNvSpPr>
@@ -1633,7 +1639,7 @@
       </p:sp>
       <p:sp>
         <p:nvSpPr>
-          <p:cNvPr id="95" name="Shape 95"/>
+          <p:cNvPr id="102" name="Shape 102"/>
           <p:cNvSpPr txBox="1">
             <a:spLocks noGrp="1"/>
           </p:cNvSpPr>
@@ -1672,7 +1678,7 @@
     </p:spTree>
     <p:extLst>
       <p:ext uri="{BB962C8B-B14F-4D97-AF65-F5344CB8AC3E}">
-        <p14:creationId xmlns:p14="http://schemas.microsoft.com/office/powerpoint/2010/main" val="745761312"/>
+        <p14:creationId xmlns:p14="http://schemas.microsoft.com/office/powerpoint/2010/main" val="811079333"/>
       </p:ext>
     </p:extLst>
   </p:cSld>
@@ -1687,7 +1693,7 @@
   <p:cSld>
     <p:spTree>
       <p:nvGrpSpPr>
-        <p:cNvPr id="1" name="Shape 106"/>
+        <p:cNvPr id="1" name="Shape 93"/>
         <p:cNvGrpSpPr/>
         <p:nvPr/>
       </p:nvGrpSpPr>
@@ -1701,7 +1707,7 @@
       </p:grpSpPr>
       <p:sp>
         <p:nvSpPr>
-          <p:cNvPr id="107" name="Shape 107"/>
+          <p:cNvPr id="94" name="Shape 94"/>
           <p:cNvSpPr>
             <a:spLocks noGrp="1" noRot="1" noChangeAspect="1"/>
           </p:cNvSpPr>
@@ -1742,7 +1748,7 @@
       </p:sp>
       <p:sp>
         <p:nvSpPr>
-          <p:cNvPr id="108" name="Shape 108"/>
+          <p:cNvPr id="95" name="Shape 95"/>
           <p:cNvSpPr txBox="1">
             <a:spLocks noGrp="1"/>
           </p:cNvSpPr>
@@ -1781,7 +1787,7 @@
     </p:spTree>
     <p:extLst>
       <p:ext uri="{BB962C8B-B14F-4D97-AF65-F5344CB8AC3E}">
-        <p14:creationId xmlns:p14="http://schemas.microsoft.com/office/powerpoint/2010/main" val="1356105597"/>
+        <p14:creationId xmlns:p14="http://schemas.microsoft.com/office/powerpoint/2010/main" val="745761312"/>
       </p:ext>
     </p:extLst>
   </p:cSld>
@@ -1890,7 +1896,7 @@
     </p:spTree>
     <p:extLst>
       <p:ext uri="{BB962C8B-B14F-4D97-AF65-F5344CB8AC3E}">
-        <p14:creationId xmlns:p14="http://schemas.microsoft.com/office/powerpoint/2010/main" val="2402542405"/>
+        <p14:creationId xmlns:p14="http://schemas.microsoft.com/office/powerpoint/2010/main" val="1356105597"/>
       </p:ext>
     </p:extLst>
   </p:cSld>
@@ -2103,7 +2109,7 @@
     </p:spTree>
     <p:extLst>
       <p:ext uri="{BB962C8B-B14F-4D97-AF65-F5344CB8AC3E}">
-        <p14:creationId xmlns:p14="http://schemas.microsoft.com/office/powerpoint/2010/main" val="551210838"/>
+        <p14:creationId xmlns:p14="http://schemas.microsoft.com/office/powerpoint/2010/main" val="2402542405"/>
       </p:ext>
     </p:extLst>
   </p:cSld>
@@ -2118,7 +2124,7 @@
   <p:cSld>
     <p:spTree>
       <p:nvGrpSpPr>
-        <p:cNvPr id="1" name="Shape 100"/>
+        <p:cNvPr id="1" name="Shape 106"/>
         <p:cNvGrpSpPr/>
         <p:nvPr/>
       </p:nvGrpSpPr>
@@ -2132,7 +2138,7 @@
       </p:grpSpPr>
       <p:sp>
         <p:nvSpPr>
-          <p:cNvPr id="101" name="Shape 101"/>
+          <p:cNvPr id="107" name="Shape 107"/>
           <p:cNvSpPr>
             <a:spLocks noGrp="1" noRot="1" noChangeAspect="1"/>
           </p:cNvSpPr>
@@ -2173,7 +2179,7 @@
       </p:sp>
       <p:sp>
         <p:nvSpPr>
-          <p:cNvPr id="102" name="Shape 102"/>
+          <p:cNvPr id="108" name="Shape 108"/>
           <p:cNvSpPr txBox="1">
             <a:spLocks noGrp="1"/>
           </p:cNvSpPr>
@@ -2212,7 +2218,7 @@
     </p:spTree>
     <p:extLst>
       <p:ext uri="{BB962C8B-B14F-4D97-AF65-F5344CB8AC3E}">
-        <p14:creationId xmlns:p14="http://schemas.microsoft.com/office/powerpoint/2010/main" val="221117665"/>
+        <p14:creationId xmlns:p14="http://schemas.microsoft.com/office/powerpoint/2010/main" val="551210838"/>
       </p:ext>
     </p:extLst>
   </p:cSld>
@@ -2321,7 +2327,7 @@
     </p:spTree>
     <p:extLst>
       <p:ext uri="{BB962C8B-B14F-4D97-AF65-F5344CB8AC3E}">
-        <p14:creationId xmlns:p14="http://schemas.microsoft.com/office/powerpoint/2010/main" val="377858365"/>
+        <p14:creationId xmlns:p14="http://schemas.microsoft.com/office/powerpoint/2010/main" val="221117665"/>
       </p:ext>
     </p:extLst>
   </p:cSld>
@@ -2336,7 +2342,7 @@
   <p:cSld>
     <p:spTree>
       <p:nvGrpSpPr>
-        <p:cNvPr id="1" name="Shape 371"/>
+        <p:cNvPr id="1" name="Shape 100"/>
         <p:cNvGrpSpPr/>
         <p:nvPr/>
       </p:nvGrpSpPr>
@@ -2350,7 +2356,7 @@
       </p:grpSpPr>
       <p:sp>
         <p:nvSpPr>
-          <p:cNvPr id="372" name="Shape 372"/>
+          <p:cNvPr id="101" name="Shape 101"/>
           <p:cNvSpPr>
             <a:spLocks noGrp="1" noRot="1" noChangeAspect="1"/>
           </p:cNvSpPr>
@@ -2391,6 +2397,115 @@
       </p:sp>
       <p:sp>
         <p:nvSpPr>
+          <p:cNvPr id="102" name="Shape 102"/>
+          <p:cNvSpPr txBox="1">
+            <a:spLocks noGrp="1"/>
+          </p:cNvSpPr>
+          <p:nvPr>
+            <p:ph type="body" idx="1"/>
+          </p:nvPr>
+        </p:nvSpPr>
+        <p:spPr>
+          <a:xfrm>
+            <a:off x="685800" y="4343400"/>
+            <a:ext cx="5486400" cy="4114800"/>
+          </a:xfrm>
+          <a:prstGeom prst="rect">
+            <a:avLst/>
+          </a:prstGeom>
+        </p:spPr>
+        <p:txBody>
+          <a:bodyPr spcFirstLastPara="1" wrap="square" lIns="91425" tIns="91425" rIns="91425" bIns="91425" anchor="t" anchorCtr="0">
+            <a:noAutofit/>
+          </a:bodyPr>
+          <a:lstStyle/>
+          <a:p>
+            <a:pPr marL="0" lvl="0" indent="0">
+              <a:spcBef>
+                <a:spcPts val="0"/>
+              </a:spcBef>
+              <a:spcAft>
+                <a:spcPts val="0"/>
+              </a:spcAft>
+              <a:buNone/>
+            </a:pPr>
+            <a:endParaRPr/>
+          </a:p>
+        </p:txBody>
+      </p:sp>
+    </p:spTree>
+    <p:extLst>
+      <p:ext uri="{BB962C8B-B14F-4D97-AF65-F5344CB8AC3E}">
+        <p14:creationId xmlns:p14="http://schemas.microsoft.com/office/powerpoint/2010/main" val="377858365"/>
+      </p:ext>
+    </p:extLst>
+  </p:cSld>
+  <p:clrMapOvr>
+    <a:masterClrMapping/>
+  </p:clrMapOvr>
+</p:notes>
+</file>
+
+<file path=ppt/notesSlides/notesSlide24.xml><?xml version="1.0" encoding="utf-8"?>
+<p:notes xmlns:a="http://schemas.openxmlformats.org/drawingml/2006/main" xmlns:r="http://schemas.openxmlformats.org/officeDocument/2006/relationships" xmlns:p="http://schemas.openxmlformats.org/presentationml/2006/main" showMasterSp="0" showMasterPhAnim="0">
+  <p:cSld>
+    <p:spTree>
+      <p:nvGrpSpPr>
+        <p:cNvPr id="1" name="Shape 371"/>
+        <p:cNvGrpSpPr/>
+        <p:nvPr/>
+      </p:nvGrpSpPr>
+      <p:grpSpPr>
+        <a:xfrm>
+          <a:off x="0" y="0"/>
+          <a:ext cx="0" cy="0"/>
+          <a:chOff x="0" y="0"/>
+          <a:chExt cx="0" cy="0"/>
+        </a:xfrm>
+      </p:grpSpPr>
+      <p:sp>
+        <p:nvSpPr>
+          <p:cNvPr id="372" name="Shape 372"/>
+          <p:cNvSpPr>
+            <a:spLocks noGrp="1" noRot="1" noChangeAspect="1"/>
+          </p:cNvSpPr>
+          <p:nvPr>
+            <p:ph type="sldImg" idx="2"/>
+          </p:nvPr>
+        </p:nvSpPr>
+        <p:spPr>
+          <a:xfrm>
+            <a:off x="1143000" y="685800"/>
+            <a:ext cx="4572000" cy="3429000"/>
+          </a:xfrm>
+          <a:custGeom>
+            <a:avLst/>
+            <a:gdLst/>
+            <a:ahLst/>
+            <a:cxnLst/>
+            <a:rect l="0" t="0" r="0" b="0"/>
+            <a:pathLst>
+              <a:path w="120000" h="120000" extrusionOk="0">
+                <a:moveTo>
+                  <a:pt x="0" y="0"/>
+                </a:moveTo>
+                <a:lnTo>
+                  <a:pt x="120000" y="0"/>
+                </a:lnTo>
+                <a:lnTo>
+                  <a:pt x="120000" y="120000"/>
+                </a:lnTo>
+                <a:lnTo>
+                  <a:pt x="0" y="120000"/>
+                </a:lnTo>
+                <a:close/>
+              </a:path>
+            </a:pathLst>
+          </a:custGeom>
+        </p:spPr>
+      </p:sp>
+      <p:sp>
+        <p:nvSpPr>
           <p:cNvPr id="373" name="Shape 373"/>
           <p:cNvSpPr txBox="1">
             <a:spLocks noGrp="1"/>
@@ -2435,7 +2550,7 @@
 </p:notes>
 </file>
 
-<file path=ppt/notesSlides/notesSlide24.xml><?xml version="1.0" encoding="utf-8"?>
+<file path=ppt/notesSlides/notesSlide25.xml><?xml version="1.0" encoding="utf-8"?>
 <p:notes xmlns:a="http://schemas.openxmlformats.org/drawingml/2006/main" xmlns:r="http://schemas.openxmlformats.org/officeDocument/2006/relationships" xmlns:p="http://schemas.openxmlformats.org/presentationml/2006/main" showMasterSp="0" showMasterPhAnim="0">
   <p:cSld>
     <p:spTree>
@@ -8153,6 +8268,194 @@
       </p:grpSpPr>
       <p:sp>
         <p:nvSpPr>
+          <p:cNvPr id="104" name="Shape 104"/>
+          <p:cNvSpPr txBox="1">
+            <a:spLocks noGrp="1"/>
+          </p:cNvSpPr>
+          <p:nvPr>
+            <p:ph type="body" idx="1"/>
+          </p:nvPr>
+        </p:nvSpPr>
+        <p:spPr>
+          <a:xfrm>
+            <a:off x="678583" y="2501400"/>
+            <a:ext cx="7915001" cy="1093200"/>
+          </a:xfrm>
+          <a:prstGeom prst="rect">
+            <a:avLst/>
+          </a:prstGeom>
+        </p:spPr>
+        <p:txBody>
+          <a:bodyPr spcFirstLastPara="1" wrap="square" lIns="91425" tIns="91425" rIns="91425" bIns="91425" anchor="t" anchorCtr="0">
+            <a:noAutofit/>
+          </a:bodyPr>
+          <a:lstStyle/>
+          <a:p>
+            <a:pPr marL="0" lvl="0" indent="0" algn="l">
+              <a:buNone/>
+            </a:pPr>
+            <a:r>
+              <a:rPr lang="it-IT" i="0" dirty="0"/>
+              <a:t>FIFO </a:t>
+            </a:r>
+            <a:r>
+              <a:rPr lang="it-IT" i="0" dirty="0" err="1"/>
+              <a:t>ordering</a:t>
+            </a:r>
+            <a:r>
+              <a:rPr lang="it-IT" i="0" dirty="0"/>
+              <a:t> </a:t>
+            </a:r>
+            <a:r>
+              <a:rPr lang="it-IT" i="0" dirty="0" err="1"/>
+              <a:t>is</a:t>
+            </a:r>
+            <a:r>
+              <a:rPr lang="it-IT" i="0" dirty="0"/>
+              <a:t> </a:t>
+            </a:r>
+            <a:r>
+              <a:rPr lang="it-IT" i="0" dirty="0" err="1"/>
+              <a:t>achieved</a:t>
+            </a:r>
+            <a:r>
+              <a:rPr lang="it-IT" i="0" dirty="0"/>
+              <a:t> </a:t>
+            </a:r>
+            <a:r>
+              <a:rPr lang="it-IT" i="0" dirty="0" err="1"/>
+              <a:t>using</a:t>
+            </a:r>
+            <a:r>
+              <a:rPr lang="it-IT" i="0" dirty="0"/>
+              <a:t> </a:t>
+            </a:r>
+            <a:r>
+              <a:rPr lang="it-IT" i="0" dirty="0" err="1"/>
+              <a:t>local</a:t>
+            </a:r>
+            <a:r>
+              <a:rPr lang="it-IT" i="0" dirty="0"/>
+              <a:t> clocks. </a:t>
+            </a:r>
+            <a:r>
+              <a:rPr lang="it-IT" i="0" dirty="0" err="1"/>
+              <a:t>Each</a:t>
+            </a:r>
+            <a:r>
+              <a:rPr lang="it-IT" i="0" dirty="0"/>
+              <a:t> server </a:t>
+            </a:r>
+            <a:r>
+              <a:rPr lang="it-IT" i="0" dirty="0" err="1"/>
+              <a:t>has</a:t>
+            </a:r>
+            <a:r>
+              <a:rPr lang="it-IT" i="0" dirty="0"/>
+              <a:t> an </a:t>
+            </a:r>
+            <a:r>
+              <a:rPr lang="it-IT" i="0" dirty="0" err="1"/>
+              <a:t>independent</a:t>
+            </a:r>
+            <a:r>
+              <a:rPr lang="it-IT" i="0" dirty="0"/>
+              <a:t> </a:t>
+            </a:r>
+            <a:r>
+              <a:rPr lang="it-IT" i="0" dirty="0" err="1"/>
+              <a:t>local</a:t>
+            </a:r>
+            <a:r>
+              <a:rPr lang="it-IT" i="0" dirty="0"/>
+              <a:t> clock </a:t>
+            </a:r>
+            <a:r>
+              <a:rPr lang="it-IT" i="0" dirty="0" err="1"/>
+              <a:t>unique</a:t>
+            </a:r>
+            <a:r>
+              <a:rPr lang="it-IT" i="0" dirty="0"/>
+              <a:t> for </a:t>
+            </a:r>
+            <a:r>
+              <a:rPr lang="it-IT" i="0" dirty="0" err="1"/>
+              <a:t>every</a:t>
+            </a:r>
+            <a:r>
+              <a:rPr lang="it-IT" i="0" dirty="0"/>
+              <a:t> </a:t>
+            </a:r>
+            <a:r>
+              <a:rPr lang="it-IT" i="0" dirty="0" err="1"/>
+              <a:t>message</a:t>
+            </a:r>
+            <a:r>
+              <a:rPr lang="it-IT" i="0" dirty="0"/>
+              <a:t>. </a:t>
+            </a:r>
+            <a:r>
+              <a:rPr lang="it-IT" i="0" dirty="0" err="1"/>
+              <a:t>Messages</a:t>
+            </a:r>
+            <a:r>
+              <a:rPr lang="it-IT" i="0" dirty="0"/>
+              <a:t> are </a:t>
+            </a:r>
+            <a:r>
+              <a:rPr lang="it-IT" i="0" dirty="0" err="1"/>
+              <a:t>accepted</a:t>
+            </a:r>
+            <a:r>
+              <a:rPr lang="it-IT" i="0" dirty="0"/>
+              <a:t> </a:t>
+            </a:r>
+            <a:r>
+              <a:rPr lang="it-IT" i="0" dirty="0" err="1"/>
+              <a:t>only</a:t>
+            </a:r>
+            <a:r>
+              <a:rPr lang="it-IT" i="0" dirty="0"/>
+              <a:t> in </a:t>
+            </a:r>
+            <a:r>
+              <a:rPr lang="it-IT" i="0" dirty="0" err="1"/>
+              <a:t>sequental</a:t>
+            </a:r>
+            <a:r>
+              <a:rPr lang="it-IT" i="0" dirty="0"/>
+              <a:t> </a:t>
+            </a:r>
+            <a:r>
+              <a:rPr lang="it-IT" i="0" dirty="0" err="1"/>
+              <a:t>local</a:t>
+            </a:r>
+            <a:r>
+              <a:rPr lang="it-IT" i="0" dirty="0"/>
+              <a:t> clock </a:t>
+            </a:r>
+            <a:r>
+              <a:rPr lang="it-IT" i="0" dirty="0" err="1"/>
+              <a:t>order</a:t>
+            </a:r>
+            <a:r>
+              <a:rPr lang="it-IT" i="0" dirty="0"/>
+              <a:t> from a </a:t>
+            </a:r>
+            <a:r>
+              <a:rPr lang="it-IT" i="0" dirty="0" err="1"/>
+              <a:t>same</a:t>
+            </a:r>
+            <a:r>
+              <a:rPr lang="it-IT" i="0" dirty="0"/>
+              <a:t> source</a:t>
+            </a:r>
+            <a:endParaRPr i="0" dirty="0"/>
+          </a:p>
+        </p:txBody>
+      </p:sp>
+      <p:sp>
+        <p:nvSpPr>
           <p:cNvPr id="105" name="Shape 105"/>
           <p:cNvSpPr txBox="1">
             <a:spLocks noGrp="1"/>
@@ -8188,6 +8491,78 @@
             <a:fld id="{00000000-1234-1234-1234-123412341234}" type="slidenum">
               <a:rPr lang="en"/>
               <a:t>16</a:t>
+            </a:fld>
+            <a:endParaRPr/>
+          </a:p>
+        </p:txBody>
+      </p:sp>
+    </p:spTree>
+    <p:extLst>
+      <p:ext uri="{BB962C8B-B14F-4D97-AF65-F5344CB8AC3E}">
+        <p14:creationId xmlns:p14="http://schemas.microsoft.com/office/powerpoint/2010/main" val="3446456147"/>
+      </p:ext>
+    </p:extLst>
+  </p:cSld>
+  <p:clrMapOvr>
+    <a:masterClrMapping/>
+  </p:clrMapOvr>
+</p:sld>
+</file>
+
+<file path=ppt/slides/slide17.xml><?xml version="1.0" encoding="utf-8"?>
+<p:sld xmlns:a="http://schemas.openxmlformats.org/drawingml/2006/main" xmlns:r="http://schemas.openxmlformats.org/officeDocument/2006/relationships" xmlns:p="http://schemas.openxmlformats.org/presentationml/2006/main">
+  <p:cSld>
+    <p:spTree>
+      <p:nvGrpSpPr>
+        <p:cNvPr id="1" name="Shape 103"/>
+        <p:cNvGrpSpPr/>
+        <p:nvPr/>
+      </p:nvGrpSpPr>
+      <p:grpSpPr>
+        <a:xfrm>
+          <a:off x="0" y="0"/>
+          <a:ext cx="0" cy="0"/>
+          <a:chOff x="0" y="0"/>
+          <a:chExt cx="0" cy="0"/>
+        </a:xfrm>
+      </p:grpSpPr>
+      <p:sp>
+        <p:nvSpPr>
+          <p:cNvPr id="105" name="Shape 105"/>
+          <p:cNvSpPr txBox="1">
+            <a:spLocks noGrp="1"/>
+          </p:cNvSpPr>
+          <p:nvPr>
+            <p:ph type="sldNum" idx="12"/>
+          </p:nvPr>
+        </p:nvSpPr>
+        <p:spPr>
+          <a:xfrm>
+            <a:off x="-87" y="6333125"/>
+            <a:ext cx="9144000" cy="525000"/>
+          </a:xfrm>
+          <a:prstGeom prst="rect">
+            <a:avLst/>
+          </a:prstGeom>
+        </p:spPr>
+        <p:txBody>
+          <a:bodyPr spcFirstLastPara="1" wrap="square" lIns="91425" tIns="91425" rIns="91425" bIns="91425" anchor="t" anchorCtr="0">
+            <a:noAutofit/>
+          </a:bodyPr>
+          <a:lstStyle/>
+          <a:p>
+            <a:pPr marL="0" lvl="0" indent="0">
+              <a:spcBef>
+                <a:spcPts val="0"/>
+              </a:spcBef>
+              <a:spcAft>
+                <a:spcPts val="0"/>
+              </a:spcAft>
+              <a:buNone/>
+            </a:pPr>
+            <a:fld id="{00000000-1234-1234-1234-123412341234}" type="slidenum">
+              <a:rPr lang="en"/>
+              <a:t>17</a:t>
             </a:fld>
             <a:endParaRPr/>
           </a:p>
@@ -8236,7 +8611,7 @@
 </p:sld>
 </file>
 
-<file path=ppt/slides/slide17.xml><?xml version="1.0" encoding="utf-8"?>
+<file path=ppt/slides/slide18.xml><?xml version="1.0" encoding="utf-8"?>
 <p:sld xmlns:a="http://schemas.openxmlformats.org/drawingml/2006/main" xmlns:r="http://schemas.openxmlformats.org/officeDocument/2006/relationships" xmlns:p="http://schemas.openxmlformats.org/presentationml/2006/main">
   <p:cSld>
     <p:spTree>
@@ -8335,205 +8710,6 @@
             </a:pPr>
             <a:fld id="{00000000-1234-1234-1234-123412341234}" type="slidenum">
               <a:rPr lang="en"/>
-              <a:t>17</a:t>
-            </a:fld>
-            <a:endParaRPr/>
-          </a:p>
-        </p:txBody>
-      </p:sp>
-    </p:spTree>
-    <p:extLst>
-      <p:ext uri="{BB962C8B-B14F-4D97-AF65-F5344CB8AC3E}">
-        <p14:creationId xmlns:p14="http://schemas.microsoft.com/office/powerpoint/2010/main" val="281456888"/>
-      </p:ext>
-    </p:extLst>
-  </p:cSld>
-  <p:clrMapOvr>
-    <a:masterClrMapping/>
-  </p:clrMapOvr>
-</p:sld>
-</file>
-
-<file path=ppt/slides/slide18.xml><?xml version="1.0" encoding="utf-8"?>
-<p:sld xmlns:a="http://schemas.openxmlformats.org/drawingml/2006/main" xmlns:r="http://schemas.openxmlformats.org/officeDocument/2006/relationships" xmlns:p="http://schemas.openxmlformats.org/presentationml/2006/main">
-  <p:cSld>
-    <p:spTree>
-      <p:nvGrpSpPr>
-        <p:cNvPr id="1" name="Shape 109"/>
-        <p:cNvGrpSpPr/>
-        <p:nvPr/>
-      </p:nvGrpSpPr>
-      <p:grpSpPr>
-        <a:xfrm>
-          <a:off x="0" y="0"/>
-          <a:ext cx="0" cy="0"/>
-          <a:chOff x="0" y="0"/>
-          <a:chExt cx="0" cy="0"/>
-        </a:xfrm>
-      </p:grpSpPr>
-      <p:sp>
-        <p:nvSpPr>
-          <p:cNvPr id="111" name="Shape 111"/>
-          <p:cNvSpPr txBox="1">
-            <a:spLocks noGrp="1"/>
-          </p:cNvSpPr>
-          <p:nvPr>
-            <p:ph type="body" idx="1"/>
-          </p:nvPr>
-        </p:nvSpPr>
-        <p:spPr>
-          <a:xfrm>
-            <a:off x="786150" y="1682267"/>
-            <a:ext cx="7571700" cy="4764900"/>
-          </a:xfrm>
-          <a:prstGeom prst="rect">
-            <a:avLst/>
-          </a:prstGeom>
-        </p:spPr>
-        <p:txBody>
-          <a:bodyPr spcFirstLastPara="1" wrap="square" lIns="91425" tIns="91425" rIns="91425" bIns="91425" anchor="t" anchorCtr="0">
-            <a:noAutofit/>
-          </a:bodyPr>
-          <a:lstStyle/>
-          <a:p>
-            <a:pPr marL="0" lvl="0" indent="0">
-              <a:buNone/>
-            </a:pPr>
-            <a:r>
-              <a:rPr lang="it-IT" dirty="0"/>
-              <a:t>The server </a:t>
-            </a:r>
-            <a:r>
-              <a:rPr lang="it-IT" dirty="0" err="1"/>
-              <a:t>architecture</a:t>
-            </a:r>
-            <a:r>
-              <a:rPr lang="it-IT" dirty="0"/>
-              <a:t> </a:t>
-            </a:r>
-            <a:r>
-              <a:rPr lang="it-IT" dirty="0" err="1"/>
-              <a:t>is</a:t>
-            </a:r>
-            <a:r>
-              <a:rPr lang="it-IT" dirty="0"/>
-              <a:t> made of 9 </a:t>
-            </a:r>
-            <a:r>
-              <a:rPr lang="it-IT" dirty="0" err="1"/>
-              <a:t>components</a:t>
-            </a:r>
-            <a:r>
-              <a:rPr lang="it-IT" dirty="0"/>
-              <a:t>:</a:t>
-            </a:r>
-          </a:p>
-          <a:p>
-            <a:pPr lvl="0">
-              <a:buFont typeface="Courier New" panose="02070309020205020404" pitchFamily="49" charset="0"/>
-              <a:buChar char="o"/>
-            </a:pPr>
-            <a:r>
-              <a:rPr lang="it-IT" i="1" u="sng" dirty="0"/>
-              <a:t>Server</a:t>
-            </a:r>
-            <a:r>
-              <a:rPr lang="it-IT" dirty="0"/>
-              <a:t>: </a:t>
-            </a:r>
-            <a:r>
-              <a:rPr lang="it-IT" dirty="0" err="1"/>
-              <a:t>accepts</a:t>
-            </a:r>
-            <a:r>
-              <a:rPr lang="it-IT" dirty="0"/>
-              <a:t> client </a:t>
-            </a:r>
-            <a:r>
-              <a:rPr lang="it-IT" dirty="0" err="1"/>
-              <a:t>connections</a:t>
-            </a:r>
-            <a:r>
-              <a:rPr lang="it-IT" dirty="0"/>
-              <a:t> and </a:t>
-            </a:r>
-            <a:r>
-              <a:rPr lang="it-IT" dirty="0" err="1"/>
-              <a:t>assigns</a:t>
-            </a:r>
-            <a:r>
-              <a:rPr lang="it-IT" dirty="0"/>
-              <a:t> scalar clocks</a:t>
-            </a:r>
-          </a:p>
-          <a:p>
-            <a:pPr lvl="0">
-              <a:buFont typeface="Courier New" panose="02070309020205020404" pitchFamily="49" charset="0"/>
-              <a:buChar char="o"/>
-            </a:pPr>
-            <a:r>
-              <a:rPr lang="it-IT" i="1" u="sng" dirty="0" err="1"/>
-              <a:t>Handler</a:t>
-            </a:r>
-            <a:r>
-              <a:rPr lang="it-IT" dirty="0"/>
-              <a:t>: </a:t>
-            </a:r>
-            <a:r>
-              <a:rPr lang="it-IT" dirty="0" err="1"/>
-              <a:t>handles</a:t>
-            </a:r>
-            <a:r>
-              <a:rPr lang="it-IT" dirty="0"/>
-              <a:t> the </a:t>
-            </a:r>
-            <a:r>
-              <a:rPr lang="it-IT" dirty="0" err="1"/>
-              <a:t>messages</a:t>
-            </a:r>
-            <a:r>
-              <a:rPr lang="it-IT" dirty="0"/>
-              <a:t> from the client</a:t>
-            </a:r>
-          </a:p>
-        </p:txBody>
-      </p:sp>
-      <p:sp>
-        <p:nvSpPr>
-          <p:cNvPr id="112" name="Shape 112"/>
-          <p:cNvSpPr txBox="1">
-            <a:spLocks noGrp="1"/>
-          </p:cNvSpPr>
-          <p:nvPr>
-            <p:ph type="sldNum" idx="12"/>
-          </p:nvPr>
-        </p:nvSpPr>
-        <p:spPr>
-          <a:xfrm>
-            <a:off x="8404384" y="6333134"/>
-            <a:ext cx="548700" cy="525000"/>
-          </a:xfrm>
-          <a:prstGeom prst="rect">
-            <a:avLst/>
-          </a:prstGeom>
-        </p:spPr>
-        <p:txBody>
-          <a:bodyPr spcFirstLastPara="1" wrap="square" lIns="91425" tIns="91425" rIns="91425" bIns="91425" anchor="t" anchorCtr="0">
-            <a:noAutofit/>
-          </a:bodyPr>
-          <a:lstStyle/>
-          <a:p>
-            <a:pPr marL="0" lvl="0" indent="0">
-              <a:spcBef>
-                <a:spcPts val="0"/>
-              </a:spcBef>
-              <a:spcAft>
-                <a:spcPts val="0"/>
-              </a:spcAft>
-              <a:buNone/>
-            </a:pPr>
-            <a:fld id="{00000000-1234-1234-1234-123412341234}" type="slidenum">
-              <a:rPr lang="en"/>
               <a:t>18</a:t>
             </a:fld>
             <a:endParaRPr/>
@@ -8543,7 +8719,7 @@
     </p:spTree>
     <p:extLst>
       <p:ext uri="{BB962C8B-B14F-4D97-AF65-F5344CB8AC3E}">
-        <p14:creationId xmlns:p14="http://schemas.microsoft.com/office/powerpoint/2010/main" val="1836740673"/>
+        <p14:creationId xmlns:p14="http://schemas.microsoft.com/office/powerpoint/2010/main" val="281456888"/>
       </p:ext>
     </p:extLst>
   </p:cSld>
@@ -8595,39 +8771,37 @@
           </a:bodyPr>
           <a:lstStyle/>
           <a:p>
-            <a:pPr lvl="0">
-              <a:buFont typeface="Courier New" panose="02070309020205020404" pitchFamily="49" charset="0"/>
-              <a:buChar char="o"/>
+            <a:pPr marL="0" lvl="0" indent="0">
+              <a:buNone/>
             </a:pPr>
             <a:r>
-              <a:rPr lang="it-IT" i="1" u="sng" dirty="0" err="1"/>
-              <a:t>DeliveryService</a:t>
-            </a:r>
-            <a:r>
               <a:rPr lang="it-IT" dirty="0"/>
-              <a:t>: </a:t>
+              <a:t>The server </a:t>
             </a:r>
             <a:r>
               <a:rPr lang="it-IT" dirty="0" err="1"/>
-              <a:t>ensures</a:t>
+              <a:t>architecture</a:t>
             </a:r>
             <a:r>
               <a:rPr lang="it-IT" dirty="0"/>
-              <a:t> the delivery of </a:t>
+              <a:t> </a:t>
             </a:r>
             <a:r>
               <a:rPr lang="it-IT" dirty="0" err="1"/>
-              <a:t>every</a:t>
+              <a:t>is</a:t>
             </a:r>
             <a:r>
               <a:rPr lang="it-IT" dirty="0"/>
-              <a:t> single </a:t>
+              <a:t> made of 5 </a:t>
             </a:r>
             <a:r>
               <a:rPr lang="it-IT" dirty="0" err="1"/>
-              <a:t>message</a:t>
-            </a:r>
-            <a:endParaRPr lang="it-IT" dirty="0"/>
+              <a:t>components</a:t>
+            </a:r>
+            <a:r>
+              <a:rPr lang="it-IT" dirty="0"/>
+              <a:t>:</a:t>
+            </a:r>
           </a:p>
           <a:p>
             <a:pPr lvl="0">
@@ -8635,8 +8809,8 @@
               <a:buChar char="o"/>
             </a:pPr>
             <a:r>
-              <a:rPr lang="it-IT" i="1" u="sng" dirty="0" err="1"/>
-              <a:t>Unchoker</a:t>
+              <a:rPr lang="it-IT" i="1" u="sng" dirty="0"/>
+              <a:t>Server</a:t>
             </a:r>
             <a:r>
               <a:rPr lang="it-IT" dirty="0"/>
@@ -8644,57 +8818,28 @@
             </a:r>
             <a:r>
               <a:rPr lang="it-IT" dirty="0" err="1"/>
-              <a:t>avoids</a:t>
+              <a:t>accepts</a:t>
             </a:r>
             <a:r>
               <a:rPr lang="it-IT" dirty="0"/>
-              <a:t> </a:t>
+              <a:t> client </a:t>
             </a:r>
             <a:r>
               <a:rPr lang="it-IT" dirty="0" err="1"/>
-              <a:t>stalls</a:t>
+              <a:t>connections</a:t>
             </a:r>
             <a:r>
               <a:rPr lang="it-IT" dirty="0"/>
-              <a:t> </a:t>
+              <a:t> and </a:t>
             </a:r>
             <a:r>
               <a:rPr lang="it-IT" dirty="0" err="1"/>
-              <a:t>caused</a:t>
+              <a:t>assigns</a:t>
             </a:r>
             <a:r>
               <a:rPr lang="it-IT" dirty="0"/>
-              <a:t> by </a:t>
-            </a:r>
-            <a:r>
-              <a:rPr lang="it-IT" dirty="0" err="1"/>
-              <a:t>lost</a:t>
-            </a:r>
-            <a:r>
-              <a:rPr lang="it-IT" dirty="0"/>
-              <a:t> </a:t>
-            </a:r>
-            <a:r>
-              <a:rPr lang="it-IT" dirty="0" err="1"/>
-              <a:t>messages</a:t>
-            </a:r>
-            <a:r>
-              <a:rPr lang="it-IT" dirty="0"/>
-              <a:t> </a:t>
-            </a:r>
-            <a:r>
-              <a:rPr lang="it-IT" dirty="0" err="1"/>
-              <a:t>towards</a:t>
-            </a:r>
-            <a:r>
-              <a:rPr lang="it-IT" dirty="0"/>
-              <a:t> the </a:t>
-            </a:r>
-            <a:r>
-              <a:rPr lang="it-IT" dirty="0" err="1"/>
-              <a:t>Receiver</a:t>
-            </a:r>
-            <a:endParaRPr lang="it-IT" dirty="0"/>
+              <a:t> scalar clocks</a:t>
+            </a:r>
           </a:p>
           <a:p>
             <a:pPr lvl="0">
@@ -8703,7 +8848,7 @@
             </a:pPr>
             <a:r>
               <a:rPr lang="it-IT" i="1" u="sng" dirty="0" err="1"/>
-              <a:t>Receiver</a:t>
+              <a:t>Handler</a:t>
             </a:r>
             <a:r>
               <a:rPr lang="it-IT" dirty="0"/>
@@ -8711,7 +8856,7 @@
             </a:r>
             <a:r>
               <a:rPr lang="it-IT" dirty="0" err="1"/>
-              <a:t>it’s</a:t>
+              <a:t>handles</a:t>
             </a:r>
             <a:r>
               <a:rPr lang="it-IT" dirty="0"/>
@@ -8719,23 +8864,15 @@
             </a:r>
             <a:r>
               <a:rPr lang="it-IT" dirty="0" err="1"/>
-              <a:t>main</a:t>
+              <a:t>messages</a:t>
             </a:r>
             <a:r>
               <a:rPr lang="it-IT" dirty="0"/>
-              <a:t> component and </a:t>
+              <a:t> from the client, </a:t>
             </a:r>
             <a:r>
               <a:rPr lang="it-IT" dirty="0" err="1"/>
-              <a:t>includes</a:t>
-            </a:r>
-            <a:r>
-              <a:rPr lang="it-IT" dirty="0"/>
-              <a:t> the </a:t>
-            </a:r>
-            <a:r>
-              <a:rPr lang="it-IT" dirty="0" err="1"/>
-              <a:t>main</a:t>
+              <a:t>adds</a:t>
             </a:r>
             <a:r>
               <a:rPr lang="it-IT" dirty="0"/>
@@ -8743,34 +8880,15 @@
             </a:r>
             <a:r>
               <a:rPr lang="it-IT" dirty="0" err="1"/>
-              <a:t>logic</a:t>
-            </a:r>
-            <a:endParaRPr lang="it-IT" dirty="0"/>
-          </a:p>
-          <a:p>
-            <a:pPr lvl="0">
-              <a:buFont typeface="Courier New" panose="02070309020205020404" pitchFamily="49" charset="0"/>
-              <a:buChar char="o"/>
-            </a:pPr>
-            <a:r>
-              <a:rPr lang="it-IT" i="1" u="sng" dirty="0" err="1"/>
-              <a:t>SharedContent</a:t>
+              <a:t>them</a:t>
             </a:r>
             <a:r>
               <a:rPr lang="it-IT" dirty="0"/>
-              <a:t>: </a:t>
+              <a:t> to the </a:t>
             </a:r>
             <a:r>
               <a:rPr lang="it-IT" dirty="0" err="1"/>
-              <a:t>allows</a:t>
-            </a:r>
-            <a:r>
-              <a:rPr lang="it-IT" dirty="0"/>
-              <a:t> to share data </a:t>
-            </a:r>
-            <a:r>
-              <a:rPr lang="it-IT" dirty="0" err="1"/>
-              <a:t>between</a:t>
+              <a:t>local</a:t>
             </a:r>
             <a:r>
               <a:rPr lang="it-IT" dirty="0"/>
@@ -8778,7 +8896,15 @@
             </a:r>
             <a:r>
               <a:rPr lang="it-IT" dirty="0" err="1"/>
-              <a:t>different</a:t>
+              <a:t>queue</a:t>
+            </a:r>
+            <a:r>
+              <a:rPr lang="it-IT" dirty="0"/>
+              <a:t> and </a:t>
+            </a:r>
+            <a:r>
+              <a:rPr lang="it-IT" dirty="0" err="1"/>
+              <a:t>multicasts</a:t>
             </a:r>
             <a:r>
               <a:rPr lang="it-IT" dirty="0"/>
@@ -8786,7 +8912,23 @@
             </a:r>
             <a:r>
               <a:rPr lang="it-IT" dirty="0" err="1"/>
-              <a:t>threads</a:t>
+              <a:t>them</a:t>
+            </a:r>
+            <a:r>
+              <a:rPr lang="it-IT" dirty="0"/>
+              <a:t> to the </a:t>
+            </a:r>
+            <a:r>
+              <a:rPr lang="it-IT" dirty="0" err="1"/>
+              <a:t>listening</a:t>
+            </a:r>
+            <a:r>
+              <a:rPr lang="it-IT" dirty="0"/>
+              <a:t> </a:t>
+            </a:r>
+            <a:r>
+              <a:rPr lang="it-IT" dirty="0" err="1"/>
+              <a:t>servers</a:t>
             </a:r>
             <a:endParaRPr lang="it-IT" dirty="0"/>
           </a:p>
@@ -8837,7 +8979,7 @@
     </p:spTree>
     <p:extLst>
       <p:ext uri="{BB962C8B-B14F-4D97-AF65-F5344CB8AC3E}">
-        <p14:creationId xmlns:p14="http://schemas.microsoft.com/office/powerpoint/2010/main" val="3438543559"/>
+        <p14:creationId xmlns:p14="http://schemas.microsoft.com/office/powerpoint/2010/main" val="1836740673"/>
       </p:ext>
     </p:extLst>
   </p:cSld>
@@ -8964,7 +9106,7 @@
             </a:r>
             <a:r>
               <a:rPr lang="it-IT" dirty="0" err="1"/>
-              <a:t>unknown</a:t>
+              <a:t>known</a:t>
             </a:r>
             <a:r>
               <a:rPr lang="it-IT" dirty="0"/>
@@ -9154,7 +9296,7 @@
             </a:pPr>
             <a:r>
               <a:rPr lang="it-IT" i="1" u="sng" dirty="0" err="1"/>
-              <a:t>StorageUpdater</a:t>
+              <a:t>Receiver</a:t>
             </a:r>
             <a:r>
               <a:rPr lang="it-IT" dirty="0"/>
@@ -9162,7 +9304,7 @@
             </a:r>
             <a:r>
               <a:rPr lang="it-IT" dirty="0" err="1"/>
-              <a:t>updates</a:t>
+              <a:t>it’s</a:t>
             </a:r>
             <a:r>
               <a:rPr lang="it-IT" dirty="0"/>
@@ -9170,23 +9312,23 @@
             </a:r>
             <a:r>
               <a:rPr lang="it-IT" dirty="0" err="1"/>
-              <a:t>content</a:t>
+              <a:t>main</a:t>
             </a:r>
             <a:r>
               <a:rPr lang="it-IT" dirty="0"/>
-              <a:t> of the </a:t>
+              <a:t> component and </a:t>
             </a:r>
             <a:r>
               <a:rPr lang="it-IT" dirty="0" err="1"/>
-              <a:t>local</a:t>
+              <a:t>includes</a:t>
             </a:r>
             <a:r>
               <a:rPr lang="it-IT" dirty="0"/>
-              <a:t> dataset once a server </a:t>
+              <a:t> the </a:t>
             </a:r>
             <a:r>
               <a:rPr lang="it-IT" dirty="0" err="1"/>
-              <a:t>becomes</a:t>
+              <a:t>main</a:t>
             </a:r>
             <a:r>
               <a:rPr lang="it-IT" dirty="0"/>
@@ -9194,7 +9336,39 @@
             </a:r>
             <a:r>
               <a:rPr lang="it-IT" dirty="0" err="1"/>
-              <a:t>active</a:t>
+              <a:t>logic</a:t>
+            </a:r>
+            <a:r>
+              <a:rPr lang="it-IT" dirty="0"/>
+              <a:t> to </a:t>
+            </a:r>
+            <a:r>
+              <a:rPr lang="it-IT" dirty="0" err="1"/>
+              <a:t>manage</a:t>
+            </a:r>
+            <a:r>
+              <a:rPr lang="it-IT" dirty="0"/>
+              <a:t> </a:t>
+            </a:r>
+            <a:r>
+              <a:rPr lang="it-IT" dirty="0" err="1"/>
+              <a:t>messages</a:t>
+            </a:r>
+            <a:r>
+              <a:rPr lang="it-IT" dirty="0"/>
+              <a:t>, </a:t>
+            </a:r>
+            <a:r>
+              <a:rPr lang="it-IT" dirty="0" err="1"/>
+              <a:t>acks</a:t>
+            </a:r>
+            <a:r>
+              <a:rPr lang="it-IT" dirty="0"/>
+              <a:t> and </a:t>
+            </a:r>
+            <a:r>
+              <a:rPr lang="it-IT" dirty="0" err="1"/>
+              <a:t>retransmissions</a:t>
             </a:r>
             <a:endParaRPr lang="it-IT" dirty="0"/>
           </a:p>
@@ -9205,7 +9379,7 @@
             </a:pPr>
             <a:r>
               <a:rPr lang="it-IT" i="1" u="sng" dirty="0" err="1"/>
-              <a:t>AlivenessSender</a:t>
+              <a:t>Ticker</a:t>
             </a:r>
             <a:r>
               <a:rPr lang="it-IT" dirty="0"/>
@@ -9217,7 +9391,15 @@
             </a:r>
             <a:r>
               <a:rPr lang="it-IT" dirty="0"/>
-              <a:t> the hello </a:t>
+              <a:t> the «</a:t>
+            </a:r>
+            <a:r>
+              <a:rPr lang="it-IT" dirty="0" err="1"/>
+              <a:t>unlock</a:t>
+            </a:r>
+            <a:r>
+              <a:rPr lang="it-IT" dirty="0"/>
+              <a:t>» </a:t>
             </a:r>
             <a:r>
               <a:rPr lang="it-IT" dirty="0" err="1"/>
@@ -9233,33 +9415,11 @@
             </a:r>
             <a:r>
               <a:rPr lang="it-IT" dirty="0"/>
-              <a:t> X seconds</a:t>
-            </a:r>
-          </a:p>
-          <a:p>
-            <a:pPr lvl="0">
-              <a:buFont typeface="Courier New" panose="02070309020205020404" pitchFamily="49" charset="0"/>
-              <a:buChar char="o"/>
-            </a:pPr>
-            <a:r>
-              <a:rPr lang="it-IT" i="1" u="sng" dirty="0" err="1"/>
-              <a:t>AlivenessChecker</a:t>
-            </a:r>
-            <a:r>
-              <a:rPr lang="it-IT" dirty="0"/>
-              <a:t>: </a:t>
+              <a:t> X seconds to </a:t>
             </a:r>
             <a:r>
               <a:rPr lang="it-IT" dirty="0" err="1"/>
-              <a:t>collects</a:t>
-            </a:r>
-            <a:r>
-              <a:rPr lang="it-IT" dirty="0"/>
-              <a:t> the </a:t>
-            </a:r>
-            <a:r>
-              <a:rPr lang="it-IT" dirty="0" err="1"/>
-              <a:t>active</a:t>
+              <a:t>avoid</a:t>
             </a:r>
             <a:r>
               <a:rPr lang="it-IT" dirty="0"/>
@@ -9267,25 +9427,44 @@
             </a:r>
             <a:r>
               <a:rPr lang="it-IT" dirty="0" err="1"/>
-              <a:t>servers</a:t>
+              <a:t>stalls</a:t>
             </a:r>
             <a:r>
               <a:rPr lang="it-IT" dirty="0"/>
-              <a:t> in a </a:t>
+              <a:t> in </a:t>
             </a:r>
             <a:r>
               <a:rPr lang="it-IT" dirty="0" err="1"/>
-              <a:t>certain</a:t>
+              <a:t>blocking</a:t>
             </a:r>
             <a:r>
               <a:rPr lang="it-IT" dirty="0"/>
-              <a:t> time </a:t>
+              <a:t> </a:t>
             </a:r>
             <a:r>
               <a:rPr lang="it-IT" dirty="0" err="1"/>
-              <a:t>window</a:t>
-            </a:r>
-            <a:endParaRPr lang="it-IT" dirty="0"/>
+              <a:t>primitives</a:t>
+            </a:r>
+            <a:r>
+              <a:rPr lang="it-IT" dirty="0"/>
+              <a:t> (</a:t>
+            </a:r>
+            <a:r>
+              <a:rPr lang="it-IT" dirty="0" err="1"/>
+              <a:t>messages</a:t>
+            </a:r>
+            <a:r>
+              <a:rPr lang="it-IT" dirty="0"/>
+              <a:t> </a:t>
+            </a:r>
+            <a:r>
+              <a:rPr lang="it-IT" dirty="0" err="1"/>
+              <a:t>acceptance</a:t>
+            </a:r>
+            <a:r>
+              <a:rPr lang="it-IT" dirty="0"/>
+              <a:t>)</a:t>
+            </a:r>
           </a:p>
         </p:txBody>
       </p:sp>
@@ -9334,7 +9513,7 @@
     </p:spTree>
     <p:extLst>
       <p:ext uri="{BB962C8B-B14F-4D97-AF65-F5344CB8AC3E}">
-        <p14:creationId xmlns:p14="http://schemas.microsoft.com/office/powerpoint/2010/main" val="1892788530"/>
+        <p14:creationId xmlns:p14="http://schemas.microsoft.com/office/powerpoint/2010/main" val="3438543559"/>
       </p:ext>
     </p:extLst>
   </p:cSld>
@@ -9349,7 +9528,7 @@
   <p:cSld>
     <p:spTree>
       <p:nvGrpSpPr>
-        <p:cNvPr id="1" name="Shape 103"/>
+        <p:cNvPr id="1" name="Shape 109"/>
         <p:cNvGrpSpPr/>
         <p:nvPr/>
       </p:nvGrpSpPr>
@@ -9363,7 +9542,116 @@
       </p:grpSpPr>
       <p:sp>
         <p:nvSpPr>
-          <p:cNvPr id="105" name="Shape 105"/>
+          <p:cNvPr id="111" name="Shape 111"/>
+          <p:cNvSpPr txBox="1">
+            <a:spLocks noGrp="1"/>
+          </p:cNvSpPr>
+          <p:nvPr>
+            <p:ph type="body" idx="1"/>
+          </p:nvPr>
+        </p:nvSpPr>
+        <p:spPr>
+          <a:xfrm>
+            <a:off x="786150" y="1682267"/>
+            <a:ext cx="7571700" cy="4764900"/>
+          </a:xfrm>
+          <a:prstGeom prst="rect">
+            <a:avLst/>
+          </a:prstGeom>
+        </p:spPr>
+        <p:txBody>
+          <a:bodyPr spcFirstLastPara="1" wrap="square" lIns="91425" tIns="91425" rIns="91425" bIns="91425" anchor="t" anchorCtr="0">
+            <a:noAutofit/>
+          </a:bodyPr>
+          <a:lstStyle/>
+          <a:p>
+            <a:pPr lvl="0">
+              <a:buFont typeface="Courier New" panose="02070309020205020404" pitchFamily="49" charset="0"/>
+              <a:buChar char="o"/>
+            </a:pPr>
+            <a:r>
+              <a:rPr lang="it-IT" i="1" u="sng" dirty="0"/>
+              <a:t>Queue</a:t>
+            </a:r>
+            <a:r>
+              <a:rPr lang="it-IT" dirty="0"/>
+              <a:t>: </a:t>
+            </a:r>
+            <a:r>
+              <a:rPr lang="it-IT" dirty="0" err="1"/>
+              <a:t>contains</a:t>
+            </a:r>
+            <a:r>
+              <a:rPr lang="it-IT" dirty="0"/>
+              <a:t> the </a:t>
+            </a:r>
+            <a:r>
+              <a:rPr lang="it-IT" dirty="0" err="1"/>
+              <a:t>logic</a:t>
+            </a:r>
+            <a:r>
+              <a:rPr lang="it-IT" dirty="0"/>
+              <a:t> to </a:t>
+            </a:r>
+            <a:r>
+              <a:rPr lang="it-IT" dirty="0" err="1"/>
+              <a:t>manipulate</a:t>
+            </a:r>
+            <a:r>
+              <a:rPr lang="it-IT" dirty="0"/>
+              <a:t> the </a:t>
+            </a:r>
+            <a:r>
+              <a:rPr lang="it-IT" dirty="0" err="1"/>
+              <a:t>queues</a:t>
+            </a:r>
+            <a:r>
+              <a:rPr lang="it-IT" dirty="0"/>
+              <a:t> of </a:t>
+            </a:r>
+            <a:r>
+              <a:rPr lang="it-IT" dirty="0" err="1"/>
+              <a:t>messages</a:t>
+            </a:r>
+            <a:r>
+              <a:rPr lang="it-IT" dirty="0"/>
+              <a:t> and </a:t>
+            </a:r>
+            <a:r>
+              <a:rPr lang="it-IT" dirty="0" err="1"/>
+              <a:t>acks</a:t>
+            </a:r>
+            <a:r>
+              <a:rPr lang="it-IT" dirty="0"/>
+              <a:t> and </a:t>
+            </a:r>
+            <a:r>
+              <a:rPr lang="it-IT" dirty="0" err="1"/>
+              <a:t>executes</a:t>
+            </a:r>
+            <a:r>
+              <a:rPr lang="it-IT" dirty="0"/>
+              <a:t> </a:t>
+            </a:r>
+            <a:r>
+              <a:rPr lang="it-IT" dirty="0" err="1"/>
+              <a:t>reads</a:t>
+            </a:r>
+            <a:r>
+              <a:rPr lang="it-IT" dirty="0"/>
+              <a:t> and </a:t>
+            </a:r>
+            <a:r>
+              <a:rPr lang="it-IT" dirty="0" err="1"/>
+              <a:t>writes</a:t>
+            </a:r>
+            <a:endParaRPr lang="it-IT" dirty="0"/>
+          </a:p>
+        </p:txBody>
+      </p:sp>
+      <p:sp>
+        <p:nvSpPr>
+          <p:cNvPr id="112" name="Shape 112"/>
           <p:cNvSpPr txBox="1">
             <a:spLocks noGrp="1"/>
           </p:cNvSpPr>
@@ -9373,8 +9661,8 @@
         </p:nvSpPr>
         <p:spPr>
           <a:xfrm>
-            <a:off x="-87" y="6333125"/>
-            <a:ext cx="9144000" cy="525000"/>
+            <a:off x="8404384" y="6333134"/>
+            <a:ext cx="548700" cy="525000"/>
           </a:xfrm>
           <a:prstGeom prst="rect">
             <a:avLst/>
@@ -9403,40 +9691,10 @@
           </a:p>
         </p:txBody>
       </p:sp>
-      <p:pic>
-        <p:nvPicPr>
-          <p:cNvPr id="5" name="Immagine 4">
-            <a:extLst>
-              <a:ext uri="{FF2B5EF4-FFF2-40B4-BE49-F238E27FC236}">
-                <a16:creationId xmlns:a16="http://schemas.microsoft.com/office/drawing/2014/main" id="{22C858CD-927A-4126-908C-19D3F9E7CE4B}"/>
-              </a:ext>
-            </a:extLst>
-          </p:cNvPr>
-          <p:cNvPicPr>
-            <a:picLocks noChangeAspect="1"/>
-          </p:cNvPicPr>
-          <p:nvPr/>
-        </p:nvPicPr>
-        <p:blipFill>
-          <a:blip r:embed="rId3"/>
-          <a:stretch>
-            <a:fillRect/>
-          </a:stretch>
-        </p:blipFill>
-        <p:spPr>
-          <a:xfrm>
-            <a:off x="2602138" y="1038693"/>
-            <a:ext cx="3939549" cy="5304776"/>
-          </a:xfrm>
-          <a:prstGeom prst="rect">
-            <a:avLst/>
-          </a:prstGeom>
-        </p:spPr>
-      </p:pic>
     </p:spTree>
     <p:extLst>
       <p:ext uri="{BB962C8B-B14F-4D97-AF65-F5344CB8AC3E}">
-        <p14:creationId xmlns:p14="http://schemas.microsoft.com/office/powerpoint/2010/main" val="4254798133"/>
+        <p14:creationId xmlns:p14="http://schemas.microsoft.com/office/powerpoint/2010/main" val="1892788530"/>
       </p:ext>
     </p:extLst>
   </p:cSld>
@@ -9527,8 +9785,8 @@
         </p:blipFill>
         <p:spPr>
           <a:xfrm>
-            <a:off x="710127" y="960753"/>
-            <a:ext cx="7723572" cy="5303571"/>
+            <a:off x="2272684" y="985604"/>
+            <a:ext cx="4429958" cy="5212680"/>
           </a:xfrm>
           <a:prstGeom prst="rect">
             <a:avLst/>
@@ -9538,7 +9796,7 @@
     </p:spTree>
     <p:extLst>
       <p:ext uri="{BB962C8B-B14F-4D97-AF65-F5344CB8AC3E}">
-        <p14:creationId xmlns:p14="http://schemas.microsoft.com/office/powerpoint/2010/main" val="2676515908"/>
+        <p14:creationId xmlns:p14="http://schemas.microsoft.com/office/powerpoint/2010/main" val="4254798133"/>
       </p:ext>
     </p:extLst>
   </p:cSld>
@@ -9553,7 +9811,7 @@
   <p:cSld>
     <p:spTree>
       <p:nvGrpSpPr>
-        <p:cNvPr id="1" name="Shape 374"/>
+        <p:cNvPr id="1" name="Shape 103"/>
         <p:cNvGrpSpPr/>
         <p:nvPr/>
       </p:nvGrpSpPr>
@@ -9567,90 +9825,7 @@
       </p:grpSpPr>
       <p:sp>
         <p:nvSpPr>
-          <p:cNvPr id="375" name="Shape 375"/>
-          <p:cNvSpPr txBox="1">
-            <a:spLocks noGrp="1"/>
-          </p:cNvSpPr>
-          <p:nvPr>
-            <p:ph type="ctrTitle" idx="4294967295"/>
-          </p:nvPr>
-        </p:nvSpPr>
-        <p:spPr>
-          <a:xfrm>
-            <a:off x="685800" y="587123"/>
-            <a:ext cx="7772400" cy="1546500"/>
-          </a:xfrm>
-          <a:prstGeom prst="rect">
-            <a:avLst/>
-          </a:prstGeom>
-        </p:spPr>
-        <p:txBody>
-          <a:bodyPr spcFirstLastPara="1" wrap="square" lIns="91425" tIns="91425" rIns="91425" bIns="91425" anchor="b" anchorCtr="0">
-            <a:noAutofit/>
-          </a:bodyPr>
-          <a:lstStyle/>
-          <a:p>
-            <a:pPr marL="0" lvl="0" indent="0" rtl="0">
-              <a:spcBef>
-                <a:spcPts val="0"/>
-              </a:spcBef>
-              <a:spcAft>
-                <a:spcPts val="0"/>
-              </a:spcAft>
-              <a:buNone/>
-            </a:pPr>
-            <a:r>
-              <a:rPr lang="en" sz="6000" b="1" dirty="0"/>
-              <a:t>Thanks!</a:t>
-            </a:r>
-            <a:endParaRPr sz="6000" b="1" dirty="0"/>
-          </a:p>
-        </p:txBody>
-      </p:sp>
-      <p:sp>
-        <p:nvSpPr>
-          <p:cNvPr id="376" name="Shape 376"/>
-          <p:cNvSpPr txBox="1">
-            <a:spLocks noGrp="1"/>
-          </p:cNvSpPr>
-          <p:nvPr>
-            <p:ph type="subTitle" idx="4294967295"/>
-          </p:nvPr>
-        </p:nvSpPr>
-        <p:spPr>
-          <a:xfrm>
-            <a:off x="685800" y="2186550"/>
-            <a:ext cx="6593700" cy="1046400"/>
-          </a:xfrm>
-          <a:prstGeom prst="rect">
-            <a:avLst/>
-          </a:prstGeom>
-        </p:spPr>
-        <p:txBody>
-          <a:bodyPr spcFirstLastPara="1" wrap="square" lIns="91425" tIns="91425" rIns="91425" bIns="91425" anchor="t" anchorCtr="0">
-            <a:noAutofit/>
-          </a:bodyPr>
-          <a:lstStyle/>
-          <a:p>
-            <a:pPr marL="0" lvl="0" indent="0" rtl="0">
-              <a:spcBef>
-                <a:spcPts val="600"/>
-              </a:spcBef>
-              <a:spcAft>
-                <a:spcPts val="0"/>
-              </a:spcAft>
-              <a:buNone/>
-            </a:pPr>
-            <a:r>
-              <a:rPr lang="en" sz="3600" b="1" dirty="0"/>
-              <a:t>Any questions?</a:t>
-            </a:r>
-          </a:p>
-        </p:txBody>
-      </p:sp>
-      <p:sp>
-        <p:nvSpPr>
-          <p:cNvPr id="378" name="Shape 378"/>
+          <p:cNvPr id="105" name="Shape 105"/>
           <p:cNvSpPr txBox="1">
             <a:spLocks noGrp="1"/>
           </p:cNvSpPr>
@@ -9660,8 +9835,8 @@
         </p:nvSpPr>
         <p:spPr>
           <a:xfrm>
-            <a:off x="8404384" y="6333134"/>
-            <a:ext cx="548700" cy="525000"/>
+            <a:off x="-87" y="6333125"/>
+            <a:ext cx="9144000" cy="525000"/>
           </a:xfrm>
           <a:prstGeom prst="rect">
             <a:avLst/>
@@ -9690,7 +9865,42 @@
           </a:p>
         </p:txBody>
       </p:sp>
+      <p:pic>
+        <p:nvPicPr>
+          <p:cNvPr id="5" name="Immagine 4">
+            <a:extLst>
+              <a:ext uri="{FF2B5EF4-FFF2-40B4-BE49-F238E27FC236}">
+                <a16:creationId xmlns:a16="http://schemas.microsoft.com/office/drawing/2014/main" id="{22C858CD-927A-4126-908C-19D3F9E7CE4B}"/>
+              </a:ext>
+            </a:extLst>
+          </p:cNvPr>
+          <p:cNvPicPr>
+            <a:picLocks noChangeAspect="1"/>
+          </p:cNvPicPr>
+          <p:nvPr/>
+        </p:nvPicPr>
+        <p:blipFill>
+          <a:blip r:embed="rId3"/>
+          <a:stretch>
+            <a:fillRect/>
+          </a:stretch>
+        </p:blipFill>
+        <p:spPr>
+          <a:xfrm>
+            <a:off x="1291556" y="960753"/>
+            <a:ext cx="6560714" cy="5303571"/>
+          </a:xfrm>
+          <a:prstGeom prst="rect">
+            <a:avLst/>
+          </a:prstGeom>
+        </p:spPr>
+      </p:pic>
     </p:spTree>
+    <p:extLst>
+      <p:ext uri="{BB962C8B-B14F-4D97-AF65-F5344CB8AC3E}">
+        <p14:creationId xmlns:p14="http://schemas.microsoft.com/office/powerpoint/2010/main" val="2676515908"/>
+      </p:ext>
+    </p:extLst>
   </p:cSld>
   <p:clrMapOvr>
     <a:masterClrMapping/>
@@ -9717,6 +9927,89 @@
       </p:grpSpPr>
       <p:sp>
         <p:nvSpPr>
+          <p:cNvPr id="375" name="Shape 375"/>
+          <p:cNvSpPr txBox="1">
+            <a:spLocks noGrp="1"/>
+          </p:cNvSpPr>
+          <p:nvPr>
+            <p:ph type="ctrTitle" idx="4294967295"/>
+          </p:nvPr>
+        </p:nvSpPr>
+        <p:spPr>
+          <a:xfrm>
+            <a:off x="685800" y="587123"/>
+            <a:ext cx="7772400" cy="1546500"/>
+          </a:xfrm>
+          <a:prstGeom prst="rect">
+            <a:avLst/>
+          </a:prstGeom>
+        </p:spPr>
+        <p:txBody>
+          <a:bodyPr spcFirstLastPara="1" wrap="square" lIns="91425" tIns="91425" rIns="91425" bIns="91425" anchor="b" anchorCtr="0">
+            <a:noAutofit/>
+          </a:bodyPr>
+          <a:lstStyle/>
+          <a:p>
+            <a:pPr marL="0" lvl="0" indent="0" rtl="0">
+              <a:spcBef>
+                <a:spcPts val="0"/>
+              </a:spcBef>
+              <a:spcAft>
+                <a:spcPts val="0"/>
+              </a:spcAft>
+              <a:buNone/>
+            </a:pPr>
+            <a:r>
+              <a:rPr lang="en" sz="6000" b="1" dirty="0"/>
+              <a:t>Thanks!</a:t>
+            </a:r>
+            <a:endParaRPr sz="6000" b="1" dirty="0"/>
+          </a:p>
+        </p:txBody>
+      </p:sp>
+      <p:sp>
+        <p:nvSpPr>
+          <p:cNvPr id="376" name="Shape 376"/>
+          <p:cNvSpPr txBox="1">
+            <a:spLocks noGrp="1"/>
+          </p:cNvSpPr>
+          <p:nvPr>
+            <p:ph type="subTitle" idx="4294967295"/>
+          </p:nvPr>
+        </p:nvSpPr>
+        <p:spPr>
+          <a:xfrm>
+            <a:off x="685800" y="2186550"/>
+            <a:ext cx="6593700" cy="1046400"/>
+          </a:xfrm>
+          <a:prstGeom prst="rect">
+            <a:avLst/>
+          </a:prstGeom>
+        </p:spPr>
+        <p:txBody>
+          <a:bodyPr spcFirstLastPara="1" wrap="square" lIns="91425" tIns="91425" rIns="91425" bIns="91425" anchor="t" anchorCtr="0">
+            <a:noAutofit/>
+          </a:bodyPr>
+          <a:lstStyle/>
+          <a:p>
+            <a:pPr marL="0" lvl="0" indent="0" rtl="0">
+              <a:spcBef>
+                <a:spcPts val="600"/>
+              </a:spcBef>
+              <a:spcAft>
+                <a:spcPts val="0"/>
+              </a:spcAft>
+              <a:buNone/>
+            </a:pPr>
+            <a:r>
+              <a:rPr lang="en" sz="3600" b="1" dirty="0"/>
+              <a:t>Any questions?</a:t>
+            </a:r>
+          </a:p>
+        </p:txBody>
+      </p:sp>
+      <p:sp>
+        <p:nvSpPr>
           <p:cNvPr id="378" name="Shape 378"/>
           <p:cNvSpPr txBox="1">
             <a:spLocks noGrp="1"/>
@@ -9752,6 +10045,73 @@
             <a:fld id="{00000000-1234-1234-1234-123412341234}" type="slidenum">
               <a:rPr lang="en"/>
               <a:t>24</a:t>
+            </a:fld>
+            <a:endParaRPr/>
+          </a:p>
+        </p:txBody>
+      </p:sp>
+    </p:spTree>
+  </p:cSld>
+  <p:clrMapOvr>
+    <a:masterClrMapping/>
+  </p:clrMapOvr>
+</p:sld>
+</file>
+
+<file path=ppt/slides/slide25.xml><?xml version="1.0" encoding="utf-8"?>
+<p:sld xmlns:a="http://schemas.openxmlformats.org/drawingml/2006/main" xmlns:r="http://schemas.openxmlformats.org/officeDocument/2006/relationships" xmlns:p="http://schemas.openxmlformats.org/presentationml/2006/main">
+  <p:cSld>
+    <p:spTree>
+      <p:nvGrpSpPr>
+        <p:cNvPr id="1" name="Shape 374"/>
+        <p:cNvGrpSpPr/>
+        <p:nvPr/>
+      </p:nvGrpSpPr>
+      <p:grpSpPr>
+        <a:xfrm>
+          <a:off x="0" y="0"/>
+          <a:ext cx="0" cy="0"/>
+          <a:chOff x="0" y="0"/>
+          <a:chExt cx="0" cy="0"/>
+        </a:xfrm>
+      </p:grpSpPr>
+      <p:sp>
+        <p:nvSpPr>
+          <p:cNvPr id="378" name="Shape 378"/>
+          <p:cNvSpPr txBox="1">
+            <a:spLocks noGrp="1"/>
+          </p:cNvSpPr>
+          <p:nvPr>
+            <p:ph type="sldNum" idx="12"/>
+          </p:nvPr>
+        </p:nvSpPr>
+        <p:spPr>
+          <a:xfrm>
+            <a:off x="8404384" y="6333134"/>
+            <a:ext cx="548700" cy="525000"/>
+          </a:xfrm>
+          <a:prstGeom prst="rect">
+            <a:avLst/>
+          </a:prstGeom>
+        </p:spPr>
+        <p:txBody>
+          <a:bodyPr spcFirstLastPara="1" wrap="square" lIns="91425" tIns="91425" rIns="91425" bIns="91425" anchor="t" anchorCtr="0">
+            <a:noAutofit/>
+          </a:bodyPr>
+          <a:lstStyle/>
+          <a:p>
+            <a:pPr marL="0" lvl="0" indent="0">
+              <a:spcBef>
+                <a:spcPts val="0"/>
+              </a:spcBef>
+              <a:spcAft>
+                <a:spcPts val="0"/>
+              </a:spcAft>
+              <a:buNone/>
+            </a:pPr>
+            <a:fld id="{00000000-1234-1234-1234-123412341234}" type="slidenum">
+              <a:rPr lang="en"/>
+              <a:t>25</a:t>
             </a:fld>
             <a:endParaRPr/>
           </a:p>
@@ -10371,7 +10731,7 @@
             </a:r>
             <a:r>
               <a:rPr lang="it-IT" sz="6000" b="1" dirty="0" err="1"/>
-              <a:t>unknown</a:t>
+              <a:t>known</a:t>
             </a:r>
             <a:r>
               <a:rPr lang="it-IT" sz="6000" b="1" dirty="0"/>
@@ -10437,11 +10797,19 @@
             </a:r>
             <a:r>
               <a:rPr lang="it-IT" sz="2600" dirty="0"/>
-              <a:t> can scale </a:t>
+              <a:t> </a:t>
             </a:r>
             <a:r>
               <a:rPr lang="it-IT" sz="2600" dirty="0" err="1"/>
-              <a:t>indefinitely</a:t>
+              <a:t>is</a:t>
+            </a:r>
+            <a:r>
+              <a:rPr lang="it-IT" sz="2600" dirty="0"/>
+              <a:t> </a:t>
+            </a:r>
+            <a:r>
+              <a:rPr lang="it-IT" sz="2600" dirty="0" err="1"/>
+              <a:t>fixed</a:t>
             </a:r>
             <a:r>
               <a:rPr lang="it-IT" sz="2600" dirty="0"/>
@@ -10449,27 +10817,11 @@
             </a:r>
             <a:r>
               <a:rPr lang="it-IT" sz="2600" dirty="0" err="1"/>
-              <a:t>servers</a:t>
+              <a:t>known</a:t>
             </a:r>
             <a:r>
               <a:rPr lang="it-IT" sz="2600" dirty="0"/>
-              <a:t> are </a:t>
-            </a:r>
-            <a:r>
-              <a:rPr lang="it-IT" sz="2600" dirty="0" err="1"/>
-              <a:t>discovered</a:t>
-            </a:r>
-            <a:r>
-              <a:rPr lang="it-IT" sz="2600" dirty="0"/>
-              <a:t> </a:t>
-            </a:r>
-            <a:r>
-              <a:rPr lang="it-IT" sz="2600" dirty="0" err="1"/>
-              <a:t>dynamically</a:t>
-            </a:r>
-            <a:r>
-              <a:rPr lang="it-IT" sz="2600" dirty="0"/>
-              <a:t>.</a:t>
+              <a:t> a priori. </a:t>
             </a:r>
           </a:p>
           <a:p>
@@ -10484,169 +10836,28 @@
             </a:pPr>
             <a:r>
               <a:rPr lang="it-IT" sz="2600" dirty="0" err="1"/>
-              <a:t>Each</a:t>
+              <a:t>Servers</a:t>
             </a:r>
             <a:r>
               <a:rPr lang="it-IT" sz="2600" dirty="0"/>
-              <a:t> server </a:t>
+              <a:t> are </a:t>
             </a:r>
             <a:r>
               <a:rPr lang="it-IT" sz="2600" dirty="0" err="1"/>
-              <a:t>has</a:t>
+              <a:t>assumed</a:t>
             </a:r>
             <a:r>
               <a:rPr lang="it-IT" sz="2600" dirty="0"/>
-              <a:t> a </a:t>
+              <a:t> to be </a:t>
             </a:r>
             <a:r>
               <a:rPr lang="it-IT" sz="2600" dirty="0" err="1"/>
-              <a:t>thread</a:t>
+              <a:t>reliable</a:t>
             </a:r>
             <a:r>
               <a:rPr lang="it-IT" sz="2600" dirty="0"/>
-              <a:t> </a:t>
-            </a:r>
-            <a:r>
-              <a:rPr lang="it-IT" sz="2600" dirty="0" err="1"/>
-              <a:t>used</a:t>
-            </a:r>
-            <a:r>
-              <a:rPr lang="it-IT" sz="2600" dirty="0"/>
-              <a:t> to </a:t>
-            </a:r>
-            <a:r>
-              <a:rPr lang="it-IT" sz="2600" dirty="0" err="1"/>
-              <a:t>multicast</a:t>
-            </a:r>
-            <a:r>
-              <a:rPr lang="it-IT" sz="2600" dirty="0"/>
-              <a:t> hello </a:t>
-            </a:r>
-            <a:r>
-              <a:rPr lang="it-IT" sz="2600" dirty="0" err="1"/>
-              <a:t>messages</a:t>
-            </a:r>
-            <a:r>
-              <a:rPr lang="it-IT" sz="2600" dirty="0"/>
-              <a:t> </a:t>
-            </a:r>
-            <a:r>
-              <a:rPr lang="it-IT" sz="2600" dirty="0" err="1"/>
-              <a:t>every</a:t>
-            </a:r>
-            <a:r>
-              <a:rPr lang="it-IT" sz="2600" dirty="0"/>
-              <a:t> X seconds and a second </a:t>
-            </a:r>
-            <a:r>
-              <a:rPr lang="it-IT" sz="2600" dirty="0" err="1"/>
-              <a:t>thread</a:t>
-            </a:r>
-            <a:r>
-              <a:rPr lang="it-IT" sz="2600" dirty="0"/>
-              <a:t> </a:t>
-            </a:r>
-            <a:r>
-              <a:rPr lang="it-IT" sz="2600" dirty="0" err="1"/>
-              <a:t>that</a:t>
-            </a:r>
-            <a:r>
-              <a:rPr lang="it-IT" sz="2600" dirty="0"/>
-              <a:t> </a:t>
-            </a:r>
-            <a:r>
-              <a:rPr lang="it-IT" sz="2600" dirty="0" err="1"/>
-              <a:t>receives</a:t>
-            </a:r>
-            <a:r>
-              <a:rPr lang="it-IT" sz="2600" dirty="0"/>
-              <a:t> </a:t>
-            </a:r>
-            <a:r>
-              <a:rPr lang="it-IT" sz="2600" dirty="0" err="1"/>
-              <a:t>such</a:t>
-            </a:r>
-            <a:r>
-              <a:rPr lang="it-IT" sz="2600" dirty="0"/>
-              <a:t> </a:t>
-            </a:r>
-            <a:r>
-              <a:rPr lang="it-IT" sz="2600" dirty="0" err="1"/>
-              <a:t>messages</a:t>
-            </a:r>
-            <a:r>
-              <a:rPr lang="it-IT" sz="2600" dirty="0"/>
-              <a:t>, </a:t>
-            </a:r>
-            <a:r>
-              <a:rPr lang="it-IT" sz="2600" dirty="0" err="1"/>
-              <a:t>collects</a:t>
-            </a:r>
-            <a:r>
-              <a:rPr lang="it-IT" sz="2600" dirty="0"/>
-              <a:t> the </a:t>
-            </a:r>
-            <a:r>
-              <a:rPr lang="it-IT" sz="2600" dirty="0" err="1"/>
-              <a:t>IPs</a:t>
-            </a:r>
-            <a:r>
-              <a:rPr lang="it-IT" sz="2600" dirty="0"/>
-              <a:t> of the </a:t>
-            </a:r>
-            <a:r>
-              <a:rPr lang="it-IT" sz="2600" dirty="0" err="1"/>
-              <a:t>senders</a:t>
-            </a:r>
-            <a:r>
-              <a:rPr lang="it-IT" sz="2600" dirty="0"/>
-              <a:t> and </a:t>
-            </a:r>
-            <a:r>
-              <a:rPr lang="it-IT" sz="2600" dirty="0" err="1"/>
-              <a:t>makes</a:t>
-            </a:r>
-            <a:r>
-              <a:rPr lang="it-IT" sz="2600" dirty="0"/>
-              <a:t> </a:t>
-            </a:r>
-            <a:r>
-              <a:rPr lang="it-IT" sz="2600" dirty="0" err="1"/>
-              <a:t>available</a:t>
-            </a:r>
-            <a:r>
-              <a:rPr lang="it-IT" sz="2600" dirty="0"/>
-              <a:t> to the </a:t>
-            </a:r>
-            <a:r>
-              <a:rPr lang="it-IT" sz="2600" dirty="0" err="1"/>
-              <a:t>current</a:t>
-            </a:r>
-            <a:r>
-              <a:rPr lang="it-IT" sz="2600" dirty="0"/>
-              <a:t> server the </a:t>
-            </a:r>
-            <a:r>
-              <a:rPr lang="it-IT" sz="2600" dirty="0" err="1"/>
-              <a:t>size</a:t>
-            </a:r>
-            <a:r>
-              <a:rPr lang="it-IT" sz="2600" dirty="0"/>
-              <a:t> of the group in a </a:t>
-            </a:r>
-            <a:r>
-              <a:rPr lang="it-IT" sz="2600" dirty="0" err="1"/>
-              <a:t>certain</a:t>
-            </a:r>
-            <a:r>
-              <a:rPr lang="it-IT" sz="2600" dirty="0"/>
-              <a:t> time </a:t>
-            </a:r>
-            <a:r>
-              <a:rPr lang="it-IT" sz="2600" dirty="0" err="1"/>
-              <a:t>window</a:t>
-            </a:r>
-            <a:endParaRPr sz="2600" dirty="0"/>
+              <a:t>.</a:t>
+            </a:r>
           </a:p>
         </p:txBody>
       </p:sp>

--- a/Presentazione distributed Systems.pptx
+++ b/Presentazione distributed Systems.pptx
@@ -5,7 +5,7 @@
     <p:sldMasterId id="2147483658" r:id="rId1"/>
   </p:sldMasterIdLst>
   <p:notesMasterIdLst>
-    <p:notesMasterId r:id="rId27"/>
+    <p:notesMasterId r:id="rId29"/>
   </p:notesMasterIdLst>
   <p:sldIdLst>
     <p:sldId id="256" r:id="rId2"/>
@@ -24,15 +24,17 @@
     <p:sldId id="299" r:id="rId15"/>
     <p:sldId id="300" r:id="rId16"/>
     <p:sldId id="306" r:id="rId17"/>
-    <p:sldId id="295" r:id="rId18"/>
-    <p:sldId id="296" r:id="rId19"/>
-    <p:sldId id="302" r:id="rId20"/>
-    <p:sldId id="303" r:id="rId21"/>
-    <p:sldId id="304" r:id="rId22"/>
-    <p:sldId id="297" r:id="rId23"/>
-    <p:sldId id="305" r:id="rId24"/>
-    <p:sldId id="280" r:id="rId25"/>
-    <p:sldId id="298" r:id="rId26"/>
+    <p:sldId id="307" r:id="rId18"/>
+    <p:sldId id="308" r:id="rId19"/>
+    <p:sldId id="295" r:id="rId20"/>
+    <p:sldId id="296" r:id="rId21"/>
+    <p:sldId id="302" r:id="rId22"/>
+    <p:sldId id="303" r:id="rId23"/>
+    <p:sldId id="304" r:id="rId24"/>
+    <p:sldId id="297" r:id="rId25"/>
+    <p:sldId id="305" r:id="rId26"/>
+    <p:sldId id="280" r:id="rId27"/>
+    <p:sldId id="298" r:id="rId28"/>
   </p:sldIdLst>
   <p:sldSz cx="9144000" cy="6858000" type="screen4x3"/>
   <p:notesSz cx="6858000" cy="9144000"/>
@@ -271,6 +273,10 @@
     </p:ext>
   </p:extLst>
 </p:presentation>
+</file>
+
+<file path=ppt/revisionInfo.xml><?xml version="1.0" encoding="utf-8"?>
+<p1510:revInfo xmlns:a="http://schemas.openxmlformats.org/drawingml/2006/main" xmlns:r="http://schemas.openxmlformats.org/officeDocument/2006/relationships" xmlns:p1510="http://schemas.microsoft.com/office/powerpoint/2015/10/main"/>
 </file>
 
 <file path=ppt/notesMasters/notesMaster1.xml><?xml version="1.0" encoding="utf-8"?>
@@ -1678,7 +1684,7 @@
     </p:spTree>
     <p:extLst>
       <p:ext uri="{BB962C8B-B14F-4D97-AF65-F5344CB8AC3E}">
-        <p14:creationId xmlns:p14="http://schemas.microsoft.com/office/powerpoint/2010/main" val="811079333"/>
+        <p14:creationId xmlns:p14="http://schemas.microsoft.com/office/powerpoint/2010/main" val="1589696151"/>
       </p:ext>
     </p:extLst>
   </p:cSld>
@@ -1693,7 +1699,7 @@
   <p:cSld>
     <p:spTree>
       <p:nvGrpSpPr>
-        <p:cNvPr id="1" name="Shape 93"/>
+        <p:cNvPr id="1" name="Shape 100"/>
         <p:cNvGrpSpPr/>
         <p:nvPr/>
       </p:nvGrpSpPr>
@@ -1707,7 +1713,7 @@
       </p:grpSpPr>
       <p:sp>
         <p:nvSpPr>
-          <p:cNvPr id="94" name="Shape 94"/>
+          <p:cNvPr id="101" name="Shape 101"/>
           <p:cNvSpPr>
             <a:spLocks noGrp="1" noRot="1" noChangeAspect="1"/>
           </p:cNvSpPr>
@@ -1748,7 +1754,7 @@
       </p:sp>
       <p:sp>
         <p:nvSpPr>
-          <p:cNvPr id="95" name="Shape 95"/>
+          <p:cNvPr id="102" name="Shape 102"/>
           <p:cNvSpPr txBox="1">
             <a:spLocks noGrp="1"/>
           </p:cNvSpPr>
@@ -1787,7 +1793,7 @@
     </p:spTree>
     <p:extLst>
       <p:ext uri="{BB962C8B-B14F-4D97-AF65-F5344CB8AC3E}">
-        <p14:creationId xmlns:p14="http://schemas.microsoft.com/office/powerpoint/2010/main" val="745761312"/>
+        <p14:creationId xmlns:p14="http://schemas.microsoft.com/office/powerpoint/2010/main" val="1142863837"/>
       </p:ext>
     </p:extLst>
   </p:cSld>
@@ -1802,7 +1808,7 @@
   <p:cSld>
     <p:spTree>
       <p:nvGrpSpPr>
-        <p:cNvPr id="1" name="Shape 106"/>
+        <p:cNvPr id="1" name="Shape 100"/>
         <p:cNvGrpSpPr/>
         <p:nvPr/>
       </p:nvGrpSpPr>
@@ -1816,7 +1822,7 @@
       </p:grpSpPr>
       <p:sp>
         <p:nvSpPr>
-          <p:cNvPr id="107" name="Shape 107"/>
+          <p:cNvPr id="101" name="Shape 101"/>
           <p:cNvSpPr>
             <a:spLocks noGrp="1" noRot="1" noChangeAspect="1"/>
           </p:cNvSpPr>
@@ -1857,7 +1863,7 @@
       </p:sp>
       <p:sp>
         <p:nvSpPr>
-          <p:cNvPr id="108" name="Shape 108"/>
+          <p:cNvPr id="102" name="Shape 102"/>
           <p:cNvSpPr txBox="1">
             <a:spLocks noGrp="1"/>
           </p:cNvSpPr>
@@ -1896,7 +1902,7 @@
     </p:spTree>
     <p:extLst>
       <p:ext uri="{BB962C8B-B14F-4D97-AF65-F5344CB8AC3E}">
-        <p14:creationId xmlns:p14="http://schemas.microsoft.com/office/powerpoint/2010/main" val="1356105597"/>
+        <p14:creationId xmlns:p14="http://schemas.microsoft.com/office/powerpoint/2010/main" val="811079333"/>
       </p:ext>
     </p:extLst>
   </p:cSld>
@@ -2015,7 +2021,7 @@
   <p:cSld>
     <p:spTree>
       <p:nvGrpSpPr>
-        <p:cNvPr id="1" name="Shape 106"/>
+        <p:cNvPr id="1" name="Shape 93"/>
         <p:cNvGrpSpPr/>
         <p:nvPr/>
       </p:nvGrpSpPr>
@@ -2029,7 +2035,7 @@
       </p:grpSpPr>
       <p:sp>
         <p:nvSpPr>
-          <p:cNvPr id="107" name="Shape 107"/>
+          <p:cNvPr id="94" name="Shape 94"/>
           <p:cNvSpPr>
             <a:spLocks noGrp="1" noRot="1" noChangeAspect="1"/>
           </p:cNvSpPr>
@@ -2070,7 +2076,7 @@
       </p:sp>
       <p:sp>
         <p:nvSpPr>
-          <p:cNvPr id="108" name="Shape 108"/>
+          <p:cNvPr id="95" name="Shape 95"/>
           <p:cNvSpPr txBox="1">
             <a:spLocks noGrp="1"/>
           </p:cNvSpPr>
@@ -2109,7 +2115,7 @@
     </p:spTree>
     <p:extLst>
       <p:ext uri="{BB962C8B-B14F-4D97-AF65-F5344CB8AC3E}">
-        <p14:creationId xmlns:p14="http://schemas.microsoft.com/office/powerpoint/2010/main" val="2402542405"/>
+        <p14:creationId xmlns:p14="http://schemas.microsoft.com/office/powerpoint/2010/main" val="745761312"/>
       </p:ext>
     </p:extLst>
   </p:cSld>
@@ -2218,7 +2224,7 @@
     </p:spTree>
     <p:extLst>
       <p:ext uri="{BB962C8B-B14F-4D97-AF65-F5344CB8AC3E}">
-        <p14:creationId xmlns:p14="http://schemas.microsoft.com/office/powerpoint/2010/main" val="551210838"/>
+        <p14:creationId xmlns:p14="http://schemas.microsoft.com/office/powerpoint/2010/main" val="1356105597"/>
       </p:ext>
     </p:extLst>
   </p:cSld>
@@ -2233,7 +2239,7 @@
   <p:cSld>
     <p:spTree>
       <p:nvGrpSpPr>
-        <p:cNvPr id="1" name="Shape 100"/>
+        <p:cNvPr id="1" name="Shape 106"/>
         <p:cNvGrpSpPr/>
         <p:nvPr/>
       </p:nvGrpSpPr>
@@ -2247,7 +2253,7 @@
       </p:grpSpPr>
       <p:sp>
         <p:nvSpPr>
-          <p:cNvPr id="101" name="Shape 101"/>
+          <p:cNvPr id="107" name="Shape 107"/>
           <p:cNvSpPr>
             <a:spLocks noGrp="1" noRot="1" noChangeAspect="1"/>
           </p:cNvSpPr>
@@ -2288,7 +2294,7 @@
       </p:sp>
       <p:sp>
         <p:nvSpPr>
-          <p:cNvPr id="102" name="Shape 102"/>
+          <p:cNvPr id="108" name="Shape 108"/>
           <p:cNvSpPr txBox="1">
             <a:spLocks noGrp="1"/>
           </p:cNvSpPr>
@@ -2327,7 +2333,7 @@
     </p:spTree>
     <p:extLst>
       <p:ext uri="{BB962C8B-B14F-4D97-AF65-F5344CB8AC3E}">
-        <p14:creationId xmlns:p14="http://schemas.microsoft.com/office/powerpoint/2010/main" val="221117665"/>
+        <p14:creationId xmlns:p14="http://schemas.microsoft.com/office/powerpoint/2010/main" val="2402542405"/>
       </p:ext>
     </p:extLst>
   </p:cSld>
@@ -2342,7 +2348,7 @@
   <p:cSld>
     <p:spTree>
       <p:nvGrpSpPr>
-        <p:cNvPr id="1" name="Shape 100"/>
+        <p:cNvPr id="1" name="Shape 106"/>
         <p:cNvGrpSpPr/>
         <p:nvPr/>
       </p:nvGrpSpPr>
@@ -2356,7 +2362,7 @@
       </p:grpSpPr>
       <p:sp>
         <p:nvSpPr>
-          <p:cNvPr id="101" name="Shape 101"/>
+          <p:cNvPr id="107" name="Shape 107"/>
           <p:cNvSpPr>
             <a:spLocks noGrp="1" noRot="1" noChangeAspect="1"/>
           </p:cNvSpPr>
@@ -2397,7 +2403,7 @@
       </p:sp>
       <p:sp>
         <p:nvSpPr>
-          <p:cNvPr id="102" name="Shape 102"/>
+          <p:cNvPr id="108" name="Shape 108"/>
           <p:cNvSpPr txBox="1">
             <a:spLocks noGrp="1"/>
           </p:cNvSpPr>
@@ -2436,7 +2442,7 @@
     </p:spTree>
     <p:extLst>
       <p:ext uri="{BB962C8B-B14F-4D97-AF65-F5344CB8AC3E}">
-        <p14:creationId xmlns:p14="http://schemas.microsoft.com/office/powerpoint/2010/main" val="377858365"/>
+        <p14:creationId xmlns:p14="http://schemas.microsoft.com/office/powerpoint/2010/main" val="551210838"/>
       </p:ext>
     </p:extLst>
   </p:cSld>
@@ -2451,7 +2457,7 @@
   <p:cSld>
     <p:spTree>
       <p:nvGrpSpPr>
-        <p:cNvPr id="1" name="Shape 371"/>
+        <p:cNvPr id="1" name="Shape 100"/>
         <p:cNvGrpSpPr/>
         <p:nvPr/>
       </p:nvGrpSpPr>
@@ -2465,7 +2471,7 @@
       </p:grpSpPr>
       <p:sp>
         <p:nvSpPr>
-          <p:cNvPr id="372" name="Shape 372"/>
+          <p:cNvPr id="101" name="Shape 101"/>
           <p:cNvSpPr>
             <a:spLocks noGrp="1" noRot="1" noChangeAspect="1"/>
           </p:cNvSpPr>
@@ -2506,6 +2512,224 @@
       </p:sp>
       <p:sp>
         <p:nvSpPr>
+          <p:cNvPr id="102" name="Shape 102"/>
+          <p:cNvSpPr txBox="1">
+            <a:spLocks noGrp="1"/>
+          </p:cNvSpPr>
+          <p:nvPr>
+            <p:ph type="body" idx="1"/>
+          </p:nvPr>
+        </p:nvSpPr>
+        <p:spPr>
+          <a:xfrm>
+            <a:off x="685800" y="4343400"/>
+            <a:ext cx="5486400" cy="4114800"/>
+          </a:xfrm>
+          <a:prstGeom prst="rect">
+            <a:avLst/>
+          </a:prstGeom>
+        </p:spPr>
+        <p:txBody>
+          <a:bodyPr spcFirstLastPara="1" wrap="square" lIns="91425" tIns="91425" rIns="91425" bIns="91425" anchor="t" anchorCtr="0">
+            <a:noAutofit/>
+          </a:bodyPr>
+          <a:lstStyle/>
+          <a:p>
+            <a:pPr marL="0" lvl="0" indent="0">
+              <a:spcBef>
+                <a:spcPts val="0"/>
+              </a:spcBef>
+              <a:spcAft>
+                <a:spcPts val="0"/>
+              </a:spcAft>
+              <a:buNone/>
+            </a:pPr>
+            <a:endParaRPr/>
+          </a:p>
+        </p:txBody>
+      </p:sp>
+    </p:spTree>
+    <p:extLst>
+      <p:ext uri="{BB962C8B-B14F-4D97-AF65-F5344CB8AC3E}">
+        <p14:creationId xmlns:p14="http://schemas.microsoft.com/office/powerpoint/2010/main" val="221117665"/>
+      </p:ext>
+    </p:extLst>
+  </p:cSld>
+  <p:clrMapOvr>
+    <a:masterClrMapping/>
+  </p:clrMapOvr>
+</p:notes>
+</file>
+
+<file path=ppt/notesSlides/notesSlide25.xml><?xml version="1.0" encoding="utf-8"?>
+<p:notes xmlns:a="http://schemas.openxmlformats.org/drawingml/2006/main" xmlns:r="http://schemas.openxmlformats.org/officeDocument/2006/relationships" xmlns:p="http://schemas.openxmlformats.org/presentationml/2006/main" showMasterSp="0" showMasterPhAnim="0">
+  <p:cSld>
+    <p:spTree>
+      <p:nvGrpSpPr>
+        <p:cNvPr id="1" name="Shape 100"/>
+        <p:cNvGrpSpPr/>
+        <p:nvPr/>
+      </p:nvGrpSpPr>
+      <p:grpSpPr>
+        <a:xfrm>
+          <a:off x="0" y="0"/>
+          <a:ext cx="0" cy="0"/>
+          <a:chOff x="0" y="0"/>
+          <a:chExt cx="0" cy="0"/>
+        </a:xfrm>
+      </p:grpSpPr>
+      <p:sp>
+        <p:nvSpPr>
+          <p:cNvPr id="101" name="Shape 101"/>
+          <p:cNvSpPr>
+            <a:spLocks noGrp="1" noRot="1" noChangeAspect="1"/>
+          </p:cNvSpPr>
+          <p:nvPr>
+            <p:ph type="sldImg" idx="2"/>
+          </p:nvPr>
+        </p:nvSpPr>
+        <p:spPr>
+          <a:xfrm>
+            <a:off x="1143000" y="685800"/>
+            <a:ext cx="4572000" cy="3429000"/>
+          </a:xfrm>
+          <a:custGeom>
+            <a:avLst/>
+            <a:gdLst/>
+            <a:ahLst/>
+            <a:cxnLst/>
+            <a:rect l="0" t="0" r="0" b="0"/>
+            <a:pathLst>
+              <a:path w="120000" h="120000" extrusionOk="0">
+                <a:moveTo>
+                  <a:pt x="0" y="0"/>
+                </a:moveTo>
+                <a:lnTo>
+                  <a:pt x="120000" y="0"/>
+                </a:lnTo>
+                <a:lnTo>
+                  <a:pt x="120000" y="120000"/>
+                </a:lnTo>
+                <a:lnTo>
+                  <a:pt x="0" y="120000"/>
+                </a:lnTo>
+                <a:close/>
+              </a:path>
+            </a:pathLst>
+          </a:custGeom>
+        </p:spPr>
+      </p:sp>
+      <p:sp>
+        <p:nvSpPr>
+          <p:cNvPr id="102" name="Shape 102"/>
+          <p:cNvSpPr txBox="1">
+            <a:spLocks noGrp="1"/>
+          </p:cNvSpPr>
+          <p:nvPr>
+            <p:ph type="body" idx="1"/>
+          </p:nvPr>
+        </p:nvSpPr>
+        <p:spPr>
+          <a:xfrm>
+            <a:off x="685800" y="4343400"/>
+            <a:ext cx="5486400" cy="4114800"/>
+          </a:xfrm>
+          <a:prstGeom prst="rect">
+            <a:avLst/>
+          </a:prstGeom>
+        </p:spPr>
+        <p:txBody>
+          <a:bodyPr spcFirstLastPara="1" wrap="square" lIns="91425" tIns="91425" rIns="91425" bIns="91425" anchor="t" anchorCtr="0">
+            <a:noAutofit/>
+          </a:bodyPr>
+          <a:lstStyle/>
+          <a:p>
+            <a:pPr marL="0" lvl="0" indent="0">
+              <a:spcBef>
+                <a:spcPts val="0"/>
+              </a:spcBef>
+              <a:spcAft>
+                <a:spcPts val="0"/>
+              </a:spcAft>
+              <a:buNone/>
+            </a:pPr>
+            <a:endParaRPr/>
+          </a:p>
+        </p:txBody>
+      </p:sp>
+    </p:spTree>
+    <p:extLst>
+      <p:ext uri="{BB962C8B-B14F-4D97-AF65-F5344CB8AC3E}">
+        <p14:creationId xmlns:p14="http://schemas.microsoft.com/office/powerpoint/2010/main" val="377858365"/>
+      </p:ext>
+    </p:extLst>
+  </p:cSld>
+  <p:clrMapOvr>
+    <a:masterClrMapping/>
+  </p:clrMapOvr>
+</p:notes>
+</file>
+
+<file path=ppt/notesSlides/notesSlide26.xml><?xml version="1.0" encoding="utf-8"?>
+<p:notes xmlns:a="http://schemas.openxmlformats.org/drawingml/2006/main" xmlns:r="http://schemas.openxmlformats.org/officeDocument/2006/relationships" xmlns:p="http://schemas.openxmlformats.org/presentationml/2006/main" showMasterSp="0" showMasterPhAnim="0">
+  <p:cSld>
+    <p:spTree>
+      <p:nvGrpSpPr>
+        <p:cNvPr id="1" name="Shape 371"/>
+        <p:cNvGrpSpPr/>
+        <p:nvPr/>
+      </p:nvGrpSpPr>
+      <p:grpSpPr>
+        <a:xfrm>
+          <a:off x="0" y="0"/>
+          <a:ext cx="0" cy="0"/>
+          <a:chOff x="0" y="0"/>
+          <a:chExt cx="0" cy="0"/>
+        </a:xfrm>
+      </p:grpSpPr>
+      <p:sp>
+        <p:nvSpPr>
+          <p:cNvPr id="372" name="Shape 372"/>
+          <p:cNvSpPr>
+            <a:spLocks noGrp="1" noRot="1" noChangeAspect="1"/>
+          </p:cNvSpPr>
+          <p:nvPr>
+            <p:ph type="sldImg" idx="2"/>
+          </p:nvPr>
+        </p:nvSpPr>
+        <p:spPr>
+          <a:xfrm>
+            <a:off x="1143000" y="685800"/>
+            <a:ext cx="4572000" cy="3429000"/>
+          </a:xfrm>
+          <a:custGeom>
+            <a:avLst/>
+            <a:gdLst/>
+            <a:ahLst/>
+            <a:cxnLst/>
+            <a:rect l="0" t="0" r="0" b="0"/>
+            <a:pathLst>
+              <a:path w="120000" h="120000" extrusionOk="0">
+                <a:moveTo>
+                  <a:pt x="0" y="0"/>
+                </a:moveTo>
+                <a:lnTo>
+                  <a:pt x="120000" y="0"/>
+                </a:lnTo>
+                <a:lnTo>
+                  <a:pt x="120000" y="120000"/>
+                </a:lnTo>
+                <a:lnTo>
+                  <a:pt x="0" y="120000"/>
+                </a:lnTo>
+                <a:close/>
+              </a:path>
+            </a:pathLst>
+          </a:custGeom>
+        </p:spPr>
+      </p:sp>
+      <p:sp>
+        <p:nvSpPr>
           <p:cNvPr id="373" name="Shape 373"/>
           <p:cNvSpPr txBox="1">
             <a:spLocks noGrp="1"/>
@@ -2550,7 +2774,7 @@
 </p:notes>
 </file>
 
-<file path=ppt/notesSlides/notesSlide25.xml><?xml version="1.0" encoding="utf-8"?>
+<file path=ppt/notesSlides/notesSlide27.xml><?xml version="1.0" encoding="utf-8"?>
 <p:notes xmlns:a="http://schemas.openxmlformats.org/drawingml/2006/main" xmlns:r="http://schemas.openxmlformats.org/officeDocument/2006/relationships" xmlns:p="http://schemas.openxmlformats.org/presentationml/2006/main" showMasterSp="0" showMasterPhAnim="0">
   <p:cSld>
     <p:spTree>
@@ -8528,6 +8752,171 @@
       </p:grpSpPr>
       <p:sp>
         <p:nvSpPr>
+          <p:cNvPr id="104" name="Shape 104"/>
+          <p:cNvSpPr txBox="1">
+            <a:spLocks noGrp="1"/>
+          </p:cNvSpPr>
+          <p:nvPr>
+            <p:ph type="body" idx="1"/>
+          </p:nvPr>
+        </p:nvSpPr>
+        <p:spPr>
+          <a:xfrm>
+            <a:off x="678583" y="2501400"/>
+            <a:ext cx="7915001" cy="1093200"/>
+          </a:xfrm>
+          <a:prstGeom prst="rect">
+            <a:avLst/>
+          </a:prstGeom>
+        </p:spPr>
+        <p:txBody>
+          <a:bodyPr spcFirstLastPara="1" wrap="square" lIns="91425" tIns="91425" rIns="91425" bIns="91425" anchor="t" anchorCtr="0">
+            <a:noAutofit/>
+          </a:bodyPr>
+          <a:lstStyle/>
+          <a:p>
+            <a:pPr marL="0" lvl="0" indent="0" algn="l">
+              <a:buNone/>
+            </a:pPr>
+            <a:r>
+              <a:rPr lang="it-IT" sz="3000" i="0" dirty="0"/>
+              <a:t>To </a:t>
+            </a:r>
+            <a:r>
+              <a:rPr lang="it-IT" sz="3000" i="0" dirty="0" err="1"/>
+              <a:t>guarantee</a:t>
+            </a:r>
+            <a:r>
+              <a:rPr lang="it-IT" sz="3000" i="0" dirty="0"/>
+              <a:t> the FIFO </a:t>
+            </a:r>
+            <a:r>
+              <a:rPr lang="it-IT" sz="3000" i="0" dirty="0" err="1"/>
+              <a:t>ordering</a:t>
+            </a:r>
+            <a:r>
+              <a:rPr lang="it-IT" sz="3000" i="0" dirty="0"/>
+              <a:t>, </a:t>
+            </a:r>
+            <a:r>
+              <a:rPr lang="it-IT" sz="3000" i="0" dirty="0" err="1"/>
+              <a:t>messages</a:t>
+            </a:r>
+            <a:r>
+              <a:rPr lang="it-IT" sz="3000" i="0" dirty="0"/>
+              <a:t> </a:t>
+            </a:r>
+            <a:r>
+              <a:rPr lang="it-IT" sz="3000" i="0" dirty="0" err="1"/>
+              <a:t>that</a:t>
+            </a:r>
+            <a:r>
+              <a:rPr lang="it-IT" sz="3000" i="0" dirty="0"/>
+              <a:t> </a:t>
+            </a:r>
+            <a:r>
+              <a:rPr lang="it-IT" sz="3000" i="0" dirty="0" err="1"/>
+              <a:t>arrive</a:t>
+            </a:r>
+            <a:r>
+              <a:rPr lang="it-IT" sz="3000" i="0" dirty="0"/>
+              <a:t> out of </a:t>
+            </a:r>
+            <a:r>
+              <a:rPr lang="it-IT" sz="3000" i="0" dirty="0" err="1"/>
+              <a:t>order</a:t>
+            </a:r>
+            <a:r>
+              <a:rPr lang="it-IT" sz="3000" i="0" dirty="0"/>
+              <a:t> are </a:t>
+            </a:r>
+            <a:r>
+              <a:rPr lang="it-IT" sz="3000" i="0" dirty="0" err="1"/>
+              <a:t>dropped</a:t>
+            </a:r>
+            <a:r>
+              <a:rPr lang="it-IT" sz="3000" i="0" dirty="0"/>
+              <a:t> so to force a </a:t>
+            </a:r>
+            <a:r>
+              <a:rPr lang="it-IT" sz="3000" i="0" dirty="0" err="1"/>
+              <a:t>retransmission</a:t>
+            </a:r>
+            <a:r>
+              <a:rPr lang="it-IT" sz="3000" i="0" dirty="0"/>
+              <a:t> by the </a:t>
+            </a:r>
+            <a:r>
+              <a:rPr lang="it-IT" sz="3000" i="0" dirty="0" err="1"/>
+              <a:t>sender</a:t>
+            </a:r>
+            <a:r>
+              <a:rPr lang="it-IT" sz="3000" i="0" dirty="0"/>
+              <a:t>. </a:t>
+            </a:r>
+            <a:r>
+              <a:rPr lang="it-IT" sz="3000" i="0" dirty="0" err="1"/>
+              <a:t>This</a:t>
+            </a:r>
+            <a:r>
+              <a:rPr lang="it-IT" sz="3000" i="0" dirty="0"/>
+              <a:t> policy </a:t>
+            </a:r>
+            <a:r>
+              <a:rPr lang="it-IT" sz="3000" i="0" dirty="0" err="1"/>
+              <a:t>grants</a:t>
+            </a:r>
+            <a:r>
+              <a:rPr lang="it-IT" sz="3000" i="0" dirty="0"/>
+              <a:t>:</a:t>
+            </a:r>
+          </a:p>
+          <a:p>
+            <a:pPr algn="l"/>
+            <a:r>
+              <a:rPr lang="it-IT" sz="3000" i="0" dirty="0"/>
+              <a:t>Security</a:t>
+            </a:r>
+          </a:p>
+          <a:p>
+            <a:pPr algn="l"/>
+            <a:r>
+              <a:rPr lang="it-IT" sz="3000" i="0" dirty="0" err="1"/>
+              <a:t>Ease</a:t>
+            </a:r>
+            <a:r>
+              <a:rPr lang="it-IT" sz="3000" i="0" dirty="0"/>
+              <a:t> of management</a:t>
+            </a:r>
+          </a:p>
+          <a:p>
+            <a:pPr algn="l"/>
+            <a:r>
+              <a:rPr lang="it-IT" sz="3000" i="0" dirty="0" err="1"/>
+              <a:t>Avoid</a:t>
+            </a:r>
+            <a:r>
+              <a:rPr lang="it-IT" sz="3000" i="0" dirty="0"/>
+              <a:t> reception of </a:t>
+            </a:r>
+            <a:r>
+              <a:rPr lang="it-IT" sz="3000" i="0" dirty="0" err="1"/>
+              <a:t>outdated</a:t>
+            </a:r>
+            <a:r>
+              <a:rPr lang="it-IT" sz="3000" i="0" dirty="0"/>
+              <a:t> </a:t>
+            </a:r>
+            <a:r>
+              <a:rPr lang="it-IT" sz="3000" i="0" dirty="0" err="1"/>
+              <a:t>messages</a:t>
+            </a:r>
+            <a:endParaRPr sz="3000" i="0" dirty="0"/>
+          </a:p>
+        </p:txBody>
+      </p:sp>
+      <p:sp>
+        <p:nvSpPr>
           <p:cNvPr id="105" name="Shape 105"/>
           <p:cNvSpPr txBox="1">
             <a:spLocks noGrp="1"/>
@@ -8563,6 +8952,301 @@
             <a:fld id="{00000000-1234-1234-1234-123412341234}" type="slidenum">
               <a:rPr lang="en"/>
               <a:t>17</a:t>
+            </a:fld>
+            <a:endParaRPr/>
+          </a:p>
+        </p:txBody>
+      </p:sp>
+    </p:spTree>
+    <p:extLst>
+      <p:ext uri="{BB962C8B-B14F-4D97-AF65-F5344CB8AC3E}">
+        <p14:creationId xmlns:p14="http://schemas.microsoft.com/office/powerpoint/2010/main" val="2737803294"/>
+      </p:ext>
+    </p:extLst>
+  </p:cSld>
+  <p:clrMapOvr>
+    <a:masterClrMapping/>
+  </p:clrMapOvr>
+</p:sld>
+</file>
+
+<file path=ppt/slides/slide18.xml><?xml version="1.0" encoding="utf-8"?>
+<p:sld xmlns:a="http://schemas.openxmlformats.org/drawingml/2006/main" xmlns:r="http://schemas.openxmlformats.org/officeDocument/2006/relationships" xmlns:p="http://schemas.openxmlformats.org/presentationml/2006/main">
+  <p:cSld>
+    <p:spTree>
+      <p:nvGrpSpPr>
+        <p:cNvPr id="1" name="Shape 103"/>
+        <p:cNvGrpSpPr/>
+        <p:nvPr/>
+      </p:nvGrpSpPr>
+      <p:grpSpPr>
+        <a:xfrm>
+          <a:off x="0" y="0"/>
+          <a:ext cx="0" cy="0"/>
+          <a:chOff x="0" y="0"/>
+          <a:chExt cx="0" cy="0"/>
+        </a:xfrm>
+      </p:grpSpPr>
+      <p:sp>
+        <p:nvSpPr>
+          <p:cNvPr id="104" name="Shape 104"/>
+          <p:cNvSpPr txBox="1">
+            <a:spLocks noGrp="1"/>
+          </p:cNvSpPr>
+          <p:nvPr>
+            <p:ph type="body" idx="1"/>
+          </p:nvPr>
+        </p:nvSpPr>
+        <p:spPr>
+          <a:xfrm>
+            <a:off x="678583" y="2501400"/>
+            <a:ext cx="7915001" cy="1093200"/>
+          </a:xfrm>
+          <a:prstGeom prst="rect">
+            <a:avLst/>
+          </a:prstGeom>
+        </p:spPr>
+        <p:txBody>
+          <a:bodyPr spcFirstLastPara="1" wrap="square" lIns="91425" tIns="91425" rIns="91425" bIns="91425" anchor="t" anchorCtr="0">
+            <a:noAutofit/>
+          </a:bodyPr>
+          <a:lstStyle/>
+          <a:p>
+            <a:pPr marL="0" lvl="0" indent="0" algn="l">
+              <a:buNone/>
+            </a:pPr>
+            <a:r>
+              <a:rPr lang="it-IT" sz="3000" i="0" dirty="0" err="1"/>
+              <a:t>Furthermore</a:t>
+            </a:r>
+            <a:r>
+              <a:rPr lang="it-IT" sz="3000" i="0" dirty="0"/>
+              <a:t>, the </a:t>
+            </a:r>
+            <a:r>
+              <a:rPr lang="it-IT" sz="3000" i="0" dirty="0" err="1"/>
+              <a:t>OoO</a:t>
+            </a:r>
+            <a:r>
+              <a:rPr lang="it-IT" sz="3000" i="0" dirty="0"/>
+              <a:t> </a:t>
+            </a:r>
+            <a:r>
+              <a:rPr lang="it-IT" sz="3000" i="0" dirty="0" err="1"/>
+              <a:t>dropping</a:t>
+            </a:r>
+            <a:r>
+              <a:rPr lang="it-IT" sz="3000" i="0" dirty="0"/>
+              <a:t> policy </a:t>
+            </a:r>
+            <a:r>
+              <a:rPr lang="it-IT" sz="3000" i="0" dirty="0" err="1"/>
+              <a:t>makes</a:t>
+            </a:r>
+            <a:r>
+              <a:rPr lang="it-IT" sz="3000" i="0" dirty="0"/>
+              <a:t> </a:t>
+            </a:r>
+            <a:r>
+              <a:rPr lang="it-IT" sz="3000" i="0" dirty="0" err="1"/>
+              <a:t>retransmissions</a:t>
+            </a:r>
+            <a:r>
+              <a:rPr lang="it-IT" sz="3000" i="0" dirty="0"/>
+              <a:t> more </a:t>
+            </a:r>
+            <a:r>
+              <a:rPr lang="it-IT" sz="3000" i="0" dirty="0" err="1"/>
+              <a:t>robust</a:t>
+            </a:r>
+            <a:r>
+              <a:rPr lang="it-IT" sz="3000" i="0" dirty="0"/>
+              <a:t>. </a:t>
+            </a:r>
+            <a:r>
+              <a:rPr lang="it-IT" sz="3000" i="0" dirty="0" err="1"/>
+              <a:t>Indeed</a:t>
+            </a:r>
+            <a:r>
+              <a:rPr lang="it-IT" sz="3000" i="0" dirty="0"/>
+              <a:t>:</a:t>
+            </a:r>
+          </a:p>
+          <a:p>
+            <a:pPr algn="l"/>
+            <a:r>
+              <a:rPr lang="it-IT" sz="3000" i="0" dirty="0" err="1"/>
+              <a:t>Old</a:t>
+            </a:r>
+            <a:r>
+              <a:rPr lang="it-IT" sz="3000" i="0" dirty="0"/>
+              <a:t> clock: </a:t>
+            </a:r>
+            <a:r>
+              <a:rPr lang="it-IT" sz="3000" i="0" dirty="0" err="1"/>
+              <a:t>message</a:t>
+            </a:r>
+            <a:r>
+              <a:rPr lang="it-IT" sz="3000" i="0" dirty="0"/>
+              <a:t> </a:t>
+            </a:r>
+            <a:r>
+              <a:rPr lang="it-IT" sz="3000" i="0" dirty="0" err="1"/>
+              <a:t>dropped</a:t>
+            </a:r>
+            <a:endParaRPr lang="it-IT" sz="3000" i="0" dirty="0"/>
+          </a:p>
+          <a:p>
+            <a:pPr algn="l"/>
+            <a:r>
+              <a:rPr lang="it-IT" sz="3000" i="0" dirty="0"/>
+              <a:t>Right clock: </a:t>
+            </a:r>
+            <a:r>
+              <a:rPr lang="it-IT" sz="3000" i="0" dirty="0" err="1"/>
+              <a:t>message</a:t>
+            </a:r>
+            <a:r>
+              <a:rPr lang="it-IT" sz="3000" i="0" dirty="0"/>
+              <a:t> </a:t>
+            </a:r>
+            <a:r>
+              <a:rPr lang="it-IT" sz="3000" i="0" dirty="0" err="1"/>
+              <a:t>accepted</a:t>
+            </a:r>
+            <a:endParaRPr lang="it-IT" sz="3000" i="0" dirty="0"/>
+          </a:p>
+          <a:p>
+            <a:pPr algn="l"/>
+            <a:r>
+              <a:rPr lang="it-IT" sz="3000" i="0" dirty="0"/>
+              <a:t>Future clock: </a:t>
+            </a:r>
+            <a:r>
+              <a:rPr lang="it-IT" sz="3000" i="0" dirty="0" err="1"/>
+              <a:t>message</a:t>
+            </a:r>
+            <a:r>
+              <a:rPr lang="it-IT" sz="3000" i="0" dirty="0"/>
+              <a:t> </a:t>
+            </a:r>
+            <a:r>
+              <a:rPr lang="it-IT" sz="3000" i="0" dirty="0" err="1"/>
+              <a:t>dropped</a:t>
+            </a:r>
+            <a:endParaRPr sz="3000" i="0" dirty="0"/>
+          </a:p>
+        </p:txBody>
+      </p:sp>
+      <p:sp>
+        <p:nvSpPr>
+          <p:cNvPr id="105" name="Shape 105"/>
+          <p:cNvSpPr txBox="1">
+            <a:spLocks noGrp="1"/>
+          </p:cNvSpPr>
+          <p:nvPr>
+            <p:ph type="sldNum" idx="12"/>
+          </p:nvPr>
+        </p:nvSpPr>
+        <p:spPr>
+          <a:xfrm>
+            <a:off x="-87" y="6333125"/>
+            <a:ext cx="9144000" cy="525000"/>
+          </a:xfrm>
+          <a:prstGeom prst="rect">
+            <a:avLst/>
+          </a:prstGeom>
+        </p:spPr>
+        <p:txBody>
+          <a:bodyPr spcFirstLastPara="1" wrap="square" lIns="91425" tIns="91425" rIns="91425" bIns="91425" anchor="t" anchorCtr="0">
+            <a:noAutofit/>
+          </a:bodyPr>
+          <a:lstStyle/>
+          <a:p>
+            <a:pPr marL="0" lvl="0" indent="0">
+              <a:spcBef>
+                <a:spcPts val="0"/>
+              </a:spcBef>
+              <a:spcAft>
+                <a:spcPts val="0"/>
+              </a:spcAft>
+              <a:buNone/>
+            </a:pPr>
+            <a:fld id="{00000000-1234-1234-1234-123412341234}" type="slidenum">
+              <a:rPr lang="en"/>
+              <a:t>18</a:t>
+            </a:fld>
+            <a:endParaRPr/>
+          </a:p>
+        </p:txBody>
+      </p:sp>
+    </p:spTree>
+    <p:extLst>
+      <p:ext uri="{BB962C8B-B14F-4D97-AF65-F5344CB8AC3E}">
+        <p14:creationId xmlns:p14="http://schemas.microsoft.com/office/powerpoint/2010/main" val="3958988394"/>
+      </p:ext>
+    </p:extLst>
+  </p:cSld>
+  <p:clrMapOvr>
+    <a:masterClrMapping/>
+  </p:clrMapOvr>
+</p:sld>
+</file>
+
+<file path=ppt/slides/slide19.xml><?xml version="1.0" encoding="utf-8"?>
+<p:sld xmlns:a="http://schemas.openxmlformats.org/drawingml/2006/main" xmlns:r="http://schemas.openxmlformats.org/officeDocument/2006/relationships" xmlns:p="http://schemas.openxmlformats.org/presentationml/2006/main">
+  <p:cSld>
+    <p:spTree>
+      <p:nvGrpSpPr>
+        <p:cNvPr id="1" name="Shape 103"/>
+        <p:cNvGrpSpPr/>
+        <p:nvPr/>
+      </p:nvGrpSpPr>
+      <p:grpSpPr>
+        <a:xfrm>
+          <a:off x="0" y="0"/>
+          <a:ext cx="0" cy="0"/>
+          <a:chOff x="0" y="0"/>
+          <a:chExt cx="0" cy="0"/>
+        </a:xfrm>
+      </p:grpSpPr>
+      <p:sp>
+        <p:nvSpPr>
+          <p:cNvPr id="105" name="Shape 105"/>
+          <p:cNvSpPr txBox="1">
+            <a:spLocks noGrp="1"/>
+          </p:cNvSpPr>
+          <p:nvPr>
+            <p:ph type="sldNum" idx="12"/>
+          </p:nvPr>
+        </p:nvSpPr>
+        <p:spPr>
+          <a:xfrm>
+            <a:off x="-87" y="6333125"/>
+            <a:ext cx="9144000" cy="525000"/>
+          </a:xfrm>
+          <a:prstGeom prst="rect">
+            <a:avLst/>
+          </a:prstGeom>
+        </p:spPr>
+        <p:txBody>
+          <a:bodyPr spcFirstLastPara="1" wrap="square" lIns="91425" tIns="91425" rIns="91425" bIns="91425" anchor="t" anchorCtr="0">
+            <a:noAutofit/>
+          </a:bodyPr>
+          <a:lstStyle/>
+          <a:p>
+            <a:pPr marL="0" lvl="0" indent="0">
+              <a:spcBef>
+                <a:spcPts val="0"/>
+              </a:spcBef>
+              <a:spcAft>
+                <a:spcPts val="0"/>
+              </a:spcAft>
+              <a:buNone/>
+            </a:pPr>
+            <a:fld id="{00000000-1234-1234-1234-123412341234}" type="slidenum">
+              <a:rPr lang="en"/>
+              <a:t>19</a:t>
             </a:fld>
             <a:endParaRPr/>
           </a:p>
@@ -8602,384 +9286,6 @@
     <p:extLst>
       <p:ext uri="{BB962C8B-B14F-4D97-AF65-F5344CB8AC3E}">
         <p14:creationId xmlns:p14="http://schemas.microsoft.com/office/powerpoint/2010/main" val="3869698199"/>
-      </p:ext>
-    </p:extLst>
-  </p:cSld>
-  <p:clrMapOvr>
-    <a:masterClrMapping/>
-  </p:clrMapOvr>
-</p:sld>
-</file>
-
-<file path=ppt/slides/slide18.xml><?xml version="1.0" encoding="utf-8"?>
-<p:sld xmlns:a="http://schemas.openxmlformats.org/drawingml/2006/main" xmlns:r="http://schemas.openxmlformats.org/officeDocument/2006/relationships" xmlns:p="http://schemas.openxmlformats.org/presentationml/2006/main">
-  <p:cSld>
-    <p:spTree>
-      <p:nvGrpSpPr>
-        <p:cNvPr id="1" name="Shape 96"/>
-        <p:cNvGrpSpPr/>
-        <p:nvPr/>
-      </p:nvGrpSpPr>
-      <p:grpSpPr>
-        <a:xfrm>
-          <a:off x="0" y="0"/>
-          <a:ext cx="0" cy="0"/>
-          <a:chOff x="0" y="0"/>
-          <a:chExt cx="0" cy="0"/>
-        </a:xfrm>
-      </p:grpSpPr>
-      <p:sp>
-        <p:nvSpPr>
-          <p:cNvPr id="97" name="Shape 97"/>
-          <p:cNvSpPr txBox="1">
-            <a:spLocks noGrp="1"/>
-          </p:cNvSpPr>
-          <p:nvPr>
-            <p:ph type="ctrTitle"/>
-          </p:nvPr>
-        </p:nvSpPr>
-        <p:spPr>
-          <a:xfrm>
-            <a:off x="1546025" y="2034925"/>
-            <a:ext cx="5832600" cy="1546500"/>
-          </a:xfrm>
-          <a:prstGeom prst="rect">
-            <a:avLst/>
-          </a:prstGeom>
-        </p:spPr>
-        <p:txBody>
-          <a:bodyPr spcFirstLastPara="1" wrap="square" lIns="91425" tIns="91425" rIns="91425" bIns="91425" anchor="b" anchorCtr="0">
-            <a:noAutofit/>
-          </a:bodyPr>
-          <a:lstStyle/>
-          <a:p>
-            <a:pPr marL="0" lvl="0" indent="0" rtl="0">
-              <a:spcBef>
-                <a:spcPts val="0"/>
-              </a:spcBef>
-              <a:spcAft>
-                <a:spcPts val="0"/>
-              </a:spcAft>
-              <a:buNone/>
-            </a:pPr>
-            <a:r>
-              <a:rPr lang="it-IT" dirty="0"/>
-              <a:t>The </a:t>
-            </a:r>
-            <a:r>
-              <a:rPr lang="it-IT" dirty="0" err="1"/>
-              <a:t>architecture</a:t>
-            </a:r>
-            <a:endParaRPr dirty="0"/>
-          </a:p>
-        </p:txBody>
-      </p:sp>
-      <p:sp>
-        <p:nvSpPr>
-          <p:cNvPr id="99" name="Shape 99"/>
-          <p:cNvSpPr txBox="1">
-            <a:spLocks noGrp="1"/>
-          </p:cNvSpPr>
-          <p:nvPr>
-            <p:ph type="sldNum" idx="4294967295"/>
-          </p:nvPr>
-        </p:nvSpPr>
-        <p:spPr>
-          <a:xfrm>
-            <a:off x="8404384" y="6333134"/>
-            <a:ext cx="548700" cy="525000"/>
-          </a:xfrm>
-          <a:prstGeom prst="rect">
-            <a:avLst/>
-          </a:prstGeom>
-        </p:spPr>
-        <p:txBody>
-          <a:bodyPr spcFirstLastPara="1" wrap="square" lIns="91425" tIns="91425" rIns="91425" bIns="91425" anchor="t" anchorCtr="0">
-            <a:noAutofit/>
-          </a:bodyPr>
-          <a:lstStyle/>
-          <a:p>
-            <a:pPr marL="0" lvl="0" indent="0">
-              <a:spcBef>
-                <a:spcPts val="0"/>
-              </a:spcBef>
-              <a:spcAft>
-                <a:spcPts val="0"/>
-              </a:spcAft>
-              <a:buNone/>
-            </a:pPr>
-            <a:fld id="{00000000-1234-1234-1234-123412341234}" type="slidenum">
-              <a:rPr lang="en"/>
-              <a:t>18</a:t>
-            </a:fld>
-            <a:endParaRPr/>
-          </a:p>
-        </p:txBody>
-      </p:sp>
-    </p:spTree>
-    <p:extLst>
-      <p:ext uri="{BB962C8B-B14F-4D97-AF65-F5344CB8AC3E}">
-        <p14:creationId xmlns:p14="http://schemas.microsoft.com/office/powerpoint/2010/main" val="281456888"/>
-      </p:ext>
-    </p:extLst>
-  </p:cSld>
-  <p:clrMapOvr>
-    <a:masterClrMapping/>
-  </p:clrMapOvr>
-</p:sld>
-</file>
-
-<file path=ppt/slides/slide19.xml><?xml version="1.0" encoding="utf-8"?>
-<p:sld xmlns:a="http://schemas.openxmlformats.org/drawingml/2006/main" xmlns:r="http://schemas.openxmlformats.org/officeDocument/2006/relationships" xmlns:p="http://schemas.openxmlformats.org/presentationml/2006/main">
-  <p:cSld>
-    <p:spTree>
-      <p:nvGrpSpPr>
-        <p:cNvPr id="1" name="Shape 109"/>
-        <p:cNvGrpSpPr/>
-        <p:nvPr/>
-      </p:nvGrpSpPr>
-      <p:grpSpPr>
-        <a:xfrm>
-          <a:off x="0" y="0"/>
-          <a:ext cx="0" cy="0"/>
-          <a:chOff x="0" y="0"/>
-          <a:chExt cx="0" cy="0"/>
-        </a:xfrm>
-      </p:grpSpPr>
-      <p:sp>
-        <p:nvSpPr>
-          <p:cNvPr id="111" name="Shape 111"/>
-          <p:cNvSpPr txBox="1">
-            <a:spLocks noGrp="1"/>
-          </p:cNvSpPr>
-          <p:nvPr>
-            <p:ph type="body" idx="1"/>
-          </p:nvPr>
-        </p:nvSpPr>
-        <p:spPr>
-          <a:xfrm>
-            <a:off x="786150" y="1682267"/>
-            <a:ext cx="7571700" cy="4764900"/>
-          </a:xfrm>
-          <a:prstGeom prst="rect">
-            <a:avLst/>
-          </a:prstGeom>
-        </p:spPr>
-        <p:txBody>
-          <a:bodyPr spcFirstLastPara="1" wrap="square" lIns="91425" tIns="91425" rIns="91425" bIns="91425" anchor="t" anchorCtr="0">
-            <a:noAutofit/>
-          </a:bodyPr>
-          <a:lstStyle/>
-          <a:p>
-            <a:pPr marL="0" lvl="0" indent="0">
-              <a:buNone/>
-            </a:pPr>
-            <a:r>
-              <a:rPr lang="it-IT" dirty="0"/>
-              <a:t>The server </a:t>
-            </a:r>
-            <a:r>
-              <a:rPr lang="it-IT" dirty="0" err="1"/>
-              <a:t>architecture</a:t>
-            </a:r>
-            <a:r>
-              <a:rPr lang="it-IT" dirty="0"/>
-              <a:t> </a:t>
-            </a:r>
-            <a:r>
-              <a:rPr lang="it-IT" dirty="0" err="1"/>
-              <a:t>is</a:t>
-            </a:r>
-            <a:r>
-              <a:rPr lang="it-IT" dirty="0"/>
-              <a:t> made of 5 </a:t>
-            </a:r>
-            <a:r>
-              <a:rPr lang="it-IT" dirty="0" err="1"/>
-              <a:t>components</a:t>
-            </a:r>
-            <a:r>
-              <a:rPr lang="it-IT" dirty="0"/>
-              <a:t>:</a:t>
-            </a:r>
-          </a:p>
-          <a:p>
-            <a:pPr lvl="0">
-              <a:buFont typeface="Courier New" panose="02070309020205020404" pitchFamily="49" charset="0"/>
-              <a:buChar char="o"/>
-            </a:pPr>
-            <a:r>
-              <a:rPr lang="it-IT" i="1" u="sng" dirty="0"/>
-              <a:t>Server</a:t>
-            </a:r>
-            <a:r>
-              <a:rPr lang="it-IT" dirty="0"/>
-              <a:t>: </a:t>
-            </a:r>
-            <a:r>
-              <a:rPr lang="it-IT" dirty="0" err="1"/>
-              <a:t>accepts</a:t>
-            </a:r>
-            <a:r>
-              <a:rPr lang="it-IT" dirty="0"/>
-              <a:t> client </a:t>
-            </a:r>
-            <a:r>
-              <a:rPr lang="it-IT" dirty="0" err="1"/>
-              <a:t>connections</a:t>
-            </a:r>
-            <a:r>
-              <a:rPr lang="it-IT" dirty="0"/>
-              <a:t> and </a:t>
-            </a:r>
-            <a:r>
-              <a:rPr lang="it-IT" dirty="0" err="1"/>
-              <a:t>assigns</a:t>
-            </a:r>
-            <a:r>
-              <a:rPr lang="it-IT" dirty="0"/>
-              <a:t> scalar clocks</a:t>
-            </a:r>
-          </a:p>
-          <a:p>
-            <a:pPr lvl="0">
-              <a:buFont typeface="Courier New" panose="02070309020205020404" pitchFamily="49" charset="0"/>
-              <a:buChar char="o"/>
-            </a:pPr>
-            <a:r>
-              <a:rPr lang="it-IT" i="1" u="sng" dirty="0" err="1"/>
-              <a:t>Handler</a:t>
-            </a:r>
-            <a:r>
-              <a:rPr lang="it-IT" dirty="0"/>
-              <a:t>: </a:t>
-            </a:r>
-            <a:r>
-              <a:rPr lang="it-IT" dirty="0" err="1"/>
-              <a:t>handles</a:t>
-            </a:r>
-            <a:r>
-              <a:rPr lang="it-IT" dirty="0"/>
-              <a:t> the </a:t>
-            </a:r>
-            <a:r>
-              <a:rPr lang="it-IT" dirty="0" err="1"/>
-              <a:t>messages</a:t>
-            </a:r>
-            <a:r>
-              <a:rPr lang="it-IT" dirty="0"/>
-              <a:t> from the client, </a:t>
-            </a:r>
-            <a:r>
-              <a:rPr lang="it-IT" dirty="0" err="1"/>
-              <a:t>adds</a:t>
-            </a:r>
-            <a:r>
-              <a:rPr lang="it-IT" dirty="0"/>
-              <a:t> </a:t>
-            </a:r>
-            <a:r>
-              <a:rPr lang="it-IT" dirty="0" err="1"/>
-              <a:t>them</a:t>
-            </a:r>
-            <a:r>
-              <a:rPr lang="it-IT" dirty="0"/>
-              <a:t> to the </a:t>
-            </a:r>
-            <a:r>
-              <a:rPr lang="it-IT" dirty="0" err="1"/>
-              <a:t>local</a:t>
-            </a:r>
-            <a:r>
-              <a:rPr lang="it-IT" dirty="0"/>
-              <a:t> </a:t>
-            </a:r>
-            <a:r>
-              <a:rPr lang="it-IT" dirty="0" err="1"/>
-              <a:t>queue</a:t>
-            </a:r>
-            <a:r>
-              <a:rPr lang="it-IT" dirty="0"/>
-              <a:t> and </a:t>
-            </a:r>
-            <a:r>
-              <a:rPr lang="it-IT" dirty="0" err="1"/>
-              <a:t>multicasts</a:t>
-            </a:r>
-            <a:r>
-              <a:rPr lang="it-IT" dirty="0"/>
-              <a:t> </a:t>
-            </a:r>
-            <a:r>
-              <a:rPr lang="it-IT" dirty="0" err="1"/>
-              <a:t>them</a:t>
-            </a:r>
-            <a:r>
-              <a:rPr lang="it-IT" dirty="0"/>
-              <a:t> to the </a:t>
-            </a:r>
-            <a:r>
-              <a:rPr lang="it-IT" dirty="0" err="1"/>
-              <a:t>listening</a:t>
-            </a:r>
-            <a:r>
-              <a:rPr lang="it-IT" dirty="0"/>
-              <a:t> </a:t>
-            </a:r>
-            <a:r>
-              <a:rPr lang="it-IT" dirty="0" err="1"/>
-              <a:t>servers</a:t>
-            </a:r>
-            <a:endParaRPr lang="it-IT" dirty="0"/>
-          </a:p>
-        </p:txBody>
-      </p:sp>
-      <p:sp>
-        <p:nvSpPr>
-          <p:cNvPr id="112" name="Shape 112"/>
-          <p:cNvSpPr txBox="1">
-            <a:spLocks noGrp="1"/>
-          </p:cNvSpPr>
-          <p:nvPr>
-            <p:ph type="sldNum" idx="12"/>
-          </p:nvPr>
-        </p:nvSpPr>
-        <p:spPr>
-          <a:xfrm>
-            <a:off x="8404384" y="6333134"/>
-            <a:ext cx="548700" cy="525000"/>
-          </a:xfrm>
-          <a:prstGeom prst="rect">
-            <a:avLst/>
-          </a:prstGeom>
-        </p:spPr>
-        <p:txBody>
-          <a:bodyPr spcFirstLastPara="1" wrap="square" lIns="91425" tIns="91425" rIns="91425" bIns="91425" anchor="t" anchorCtr="0">
-            <a:noAutofit/>
-          </a:bodyPr>
-          <a:lstStyle/>
-          <a:p>
-            <a:pPr marL="0" lvl="0" indent="0">
-              <a:spcBef>
-                <a:spcPts val="0"/>
-              </a:spcBef>
-              <a:spcAft>
-                <a:spcPts val="0"/>
-              </a:spcAft>
-              <a:buNone/>
-            </a:pPr>
-            <a:fld id="{00000000-1234-1234-1234-123412341234}" type="slidenum">
-              <a:rPr lang="en"/>
-              <a:t>19</a:t>
-            </a:fld>
-            <a:endParaRPr/>
-          </a:p>
-        </p:txBody>
-      </p:sp>
-    </p:spTree>
-    <p:extLst>
-      <p:ext uri="{BB962C8B-B14F-4D97-AF65-F5344CB8AC3E}">
-        <p14:creationId xmlns:p14="http://schemas.microsoft.com/office/powerpoint/2010/main" val="1836740673"/>
       </p:ext>
     </p:extLst>
   </p:cSld>
@@ -9253,7 +9559,7 @@
   <p:cSld>
     <p:spTree>
       <p:nvGrpSpPr>
-        <p:cNvPr id="1" name="Shape 109"/>
+        <p:cNvPr id="1" name="Shape 96"/>
         <p:cNvGrpSpPr/>
         <p:nvPr/>
       </p:nvGrpSpPr>
@@ -9267,215 +9573,58 @@
       </p:grpSpPr>
       <p:sp>
         <p:nvSpPr>
-          <p:cNvPr id="111" name="Shape 111"/>
+          <p:cNvPr id="97" name="Shape 97"/>
           <p:cNvSpPr txBox="1">
             <a:spLocks noGrp="1"/>
           </p:cNvSpPr>
           <p:nvPr>
-            <p:ph type="body" idx="1"/>
+            <p:ph type="ctrTitle"/>
           </p:nvPr>
         </p:nvSpPr>
         <p:spPr>
           <a:xfrm>
-            <a:off x="786150" y="1682267"/>
-            <a:ext cx="7571700" cy="4764900"/>
+            <a:off x="1546025" y="2034925"/>
+            <a:ext cx="5832600" cy="1546500"/>
           </a:xfrm>
           <a:prstGeom prst="rect">
             <a:avLst/>
           </a:prstGeom>
         </p:spPr>
         <p:txBody>
-          <a:bodyPr spcFirstLastPara="1" wrap="square" lIns="91425" tIns="91425" rIns="91425" bIns="91425" anchor="t" anchorCtr="0">
+          <a:bodyPr spcFirstLastPara="1" wrap="square" lIns="91425" tIns="91425" rIns="91425" bIns="91425" anchor="b" anchorCtr="0">
             <a:noAutofit/>
           </a:bodyPr>
           <a:lstStyle/>
           <a:p>
-            <a:pPr lvl="0">
-              <a:buFont typeface="Courier New" panose="02070309020205020404" pitchFamily="49" charset="0"/>
-              <a:buChar char="o"/>
+            <a:pPr marL="0" lvl="0" indent="0" rtl="0">
+              <a:spcBef>
+                <a:spcPts val="0"/>
+              </a:spcBef>
+              <a:spcAft>
+                <a:spcPts val="0"/>
+              </a:spcAft>
+              <a:buNone/>
             </a:pPr>
             <a:r>
-              <a:rPr lang="it-IT" i="1" u="sng" dirty="0" err="1"/>
-              <a:t>Receiver</a:t>
-            </a:r>
-            <a:r>
               <a:rPr lang="it-IT" dirty="0"/>
-              <a:t>: </a:t>
+              <a:t>The </a:t>
             </a:r>
             <a:r>
               <a:rPr lang="it-IT" dirty="0" err="1"/>
-              <a:t>it’s</a:t>
-            </a:r>
-            <a:r>
-              <a:rPr lang="it-IT" dirty="0"/>
-              <a:t> the </a:t>
-            </a:r>
-            <a:r>
-              <a:rPr lang="it-IT" dirty="0" err="1"/>
-              <a:t>main</a:t>
-            </a:r>
-            <a:r>
-              <a:rPr lang="it-IT" dirty="0"/>
-              <a:t> component and </a:t>
-            </a:r>
-            <a:r>
-              <a:rPr lang="it-IT" dirty="0" err="1"/>
-              <a:t>includes</a:t>
-            </a:r>
-            <a:r>
-              <a:rPr lang="it-IT" dirty="0"/>
-              <a:t> the </a:t>
-            </a:r>
-            <a:r>
-              <a:rPr lang="it-IT" dirty="0" err="1"/>
-              <a:t>main</a:t>
-            </a:r>
-            <a:r>
-              <a:rPr lang="it-IT" dirty="0"/>
-              <a:t> </a:t>
-            </a:r>
-            <a:r>
-              <a:rPr lang="it-IT" dirty="0" err="1"/>
-              <a:t>logic</a:t>
-            </a:r>
-            <a:r>
-              <a:rPr lang="it-IT" dirty="0"/>
-              <a:t> to </a:t>
-            </a:r>
-            <a:r>
-              <a:rPr lang="it-IT" dirty="0" err="1"/>
-              <a:t>manage</a:t>
-            </a:r>
-            <a:r>
-              <a:rPr lang="it-IT" dirty="0"/>
-              <a:t> </a:t>
-            </a:r>
-            <a:r>
-              <a:rPr lang="it-IT" dirty="0" err="1"/>
-              <a:t>messages</a:t>
-            </a:r>
-            <a:r>
-              <a:rPr lang="it-IT" dirty="0"/>
-              <a:t>, </a:t>
-            </a:r>
-            <a:r>
-              <a:rPr lang="it-IT" dirty="0" err="1"/>
-              <a:t>acks</a:t>
-            </a:r>
-            <a:r>
-              <a:rPr lang="it-IT" dirty="0"/>
-              <a:t> and </a:t>
-            </a:r>
-            <a:r>
-              <a:rPr lang="it-IT" dirty="0" err="1"/>
-              <a:t>retransmissions</a:t>
-            </a:r>
-            <a:endParaRPr lang="it-IT" dirty="0"/>
-          </a:p>
-          <a:p>
-            <a:pPr lvl="0">
-              <a:buFont typeface="Courier New" panose="02070309020205020404" pitchFamily="49" charset="0"/>
-              <a:buChar char="o"/>
-            </a:pPr>
-            <a:r>
-              <a:rPr lang="it-IT" i="1" u="sng" dirty="0" err="1"/>
-              <a:t>Ticker</a:t>
-            </a:r>
-            <a:r>
-              <a:rPr lang="it-IT" dirty="0"/>
-              <a:t>: </a:t>
-            </a:r>
-            <a:r>
-              <a:rPr lang="it-IT" dirty="0" err="1"/>
-              <a:t>sends</a:t>
-            </a:r>
-            <a:r>
-              <a:rPr lang="it-IT" dirty="0"/>
-              <a:t> the «</a:t>
-            </a:r>
-            <a:r>
-              <a:rPr lang="it-IT" dirty="0" err="1"/>
-              <a:t>unlock</a:t>
-            </a:r>
-            <a:r>
-              <a:rPr lang="it-IT" dirty="0"/>
-              <a:t>» </a:t>
-            </a:r>
-            <a:r>
-              <a:rPr lang="it-IT" dirty="0" err="1"/>
-              <a:t>messages</a:t>
-            </a:r>
-            <a:r>
-              <a:rPr lang="it-IT" dirty="0"/>
-              <a:t> </a:t>
-            </a:r>
-            <a:r>
-              <a:rPr lang="it-IT" dirty="0" err="1"/>
-              <a:t>every</a:t>
-            </a:r>
-            <a:r>
-              <a:rPr lang="it-IT" dirty="0"/>
-              <a:t> X seconds to </a:t>
-            </a:r>
-            <a:r>
-              <a:rPr lang="it-IT" dirty="0" err="1"/>
-              <a:t>avoid</a:t>
-            </a:r>
-            <a:r>
-              <a:rPr lang="it-IT" dirty="0"/>
-              <a:t> </a:t>
-            </a:r>
-            <a:r>
-              <a:rPr lang="it-IT" dirty="0" err="1"/>
-              <a:t>stalls</a:t>
-            </a:r>
-            <a:r>
-              <a:rPr lang="it-IT" dirty="0"/>
-              <a:t> in </a:t>
-            </a:r>
-            <a:r>
-              <a:rPr lang="it-IT" dirty="0" err="1"/>
-              <a:t>blocking</a:t>
-            </a:r>
-            <a:r>
-              <a:rPr lang="it-IT" dirty="0"/>
-              <a:t> </a:t>
-            </a:r>
-            <a:r>
-              <a:rPr lang="it-IT" dirty="0" err="1"/>
-              <a:t>primitives</a:t>
-            </a:r>
-            <a:r>
-              <a:rPr lang="it-IT" dirty="0"/>
-              <a:t> (</a:t>
-            </a:r>
-            <a:r>
-              <a:rPr lang="it-IT" dirty="0" err="1"/>
-              <a:t>messages</a:t>
-            </a:r>
-            <a:r>
-              <a:rPr lang="it-IT" dirty="0"/>
-              <a:t> </a:t>
-            </a:r>
-            <a:r>
-              <a:rPr lang="it-IT" dirty="0" err="1"/>
-              <a:t>acceptance</a:t>
-            </a:r>
-            <a:r>
-              <a:rPr lang="it-IT" dirty="0"/>
-              <a:t>)</a:t>
-            </a:r>
+              <a:t>architecture</a:t>
+            </a:r>
+            <a:endParaRPr dirty="0"/>
           </a:p>
         </p:txBody>
       </p:sp>
       <p:sp>
         <p:nvSpPr>
-          <p:cNvPr id="112" name="Shape 112"/>
+          <p:cNvPr id="99" name="Shape 99"/>
           <p:cNvSpPr txBox="1">
             <a:spLocks noGrp="1"/>
           </p:cNvSpPr>
           <p:nvPr>
-            <p:ph type="sldNum" idx="12"/>
+            <p:ph type="sldNum" idx="4294967295"/>
           </p:nvPr>
         </p:nvSpPr>
         <p:spPr>
@@ -9513,7 +9662,7 @@
     </p:spTree>
     <p:extLst>
       <p:ext uri="{BB962C8B-B14F-4D97-AF65-F5344CB8AC3E}">
-        <p14:creationId xmlns:p14="http://schemas.microsoft.com/office/powerpoint/2010/main" val="3438543559"/>
+        <p14:creationId xmlns:p14="http://schemas.microsoft.com/office/powerpoint/2010/main" val="281456888"/>
       </p:ext>
     </p:extLst>
   </p:cSld>
@@ -9565,13 +9714,46 @@
           </a:bodyPr>
           <a:lstStyle/>
           <a:p>
+            <a:pPr marL="0" lvl="0" indent="0">
+              <a:buNone/>
+            </a:pPr>
+            <a:r>
+              <a:rPr lang="it-IT" dirty="0"/>
+              <a:t>The server </a:t>
+            </a:r>
+            <a:r>
+              <a:rPr lang="it-IT" dirty="0" err="1"/>
+              <a:t>architecture</a:t>
+            </a:r>
+            <a:r>
+              <a:rPr lang="it-IT" dirty="0"/>
+              <a:t> </a:t>
+            </a:r>
+            <a:r>
+              <a:rPr lang="it-IT" dirty="0" err="1"/>
+              <a:t>is</a:t>
+            </a:r>
+            <a:r>
+              <a:rPr lang="it-IT" dirty="0"/>
+              <a:t> made of 5 </a:t>
+            </a:r>
+            <a:r>
+              <a:rPr lang="it-IT" dirty="0" err="1"/>
+              <a:t>components</a:t>
+            </a:r>
+            <a:r>
+              <a:rPr lang="it-IT" dirty="0"/>
+              <a:t>:</a:t>
+            </a:r>
+          </a:p>
+          <a:p>
             <a:pPr lvl="0">
               <a:buFont typeface="Courier New" panose="02070309020205020404" pitchFamily="49" charset="0"/>
               <a:buChar char="o"/>
             </a:pPr>
             <a:r>
               <a:rPr lang="it-IT" i="1" u="sng" dirty="0"/>
-              <a:t>Queue</a:t>
+              <a:t>Server</a:t>
             </a:r>
             <a:r>
               <a:rPr lang="it-IT" dirty="0"/>
@@ -9579,7 +9761,45 @@
             </a:r>
             <a:r>
               <a:rPr lang="it-IT" dirty="0" err="1"/>
-              <a:t>contains</a:t>
+              <a:t>accepts</a:t>
+            </a:r>
+            <a:r>
+              <a:rPr lang="it-IT" dirty="0"/>
+              <a:t> client </a:t>
+            </a:r>
+            <a:r>
+              <a:rPr lang="it-IT" dirty="0" err="1"/>
+              <a:t>connections</a:t>
+            </a:r>
+            <a:r>
+              <a:rPr lang="it-IT" dirty="0"/>
+              <a:t> and </a:t>
+            </a:r>
+            <a:r>
+              <a:rPr lang="it-IT" dirty="0" err="1"/>
+              <a:t>assigns</a:t>
+            </a:r>
+            <a:r>
+              <a:rPr lang="it-IT" dirty="0"/>
+              <a:t> scalar clocks</a:t>
+            </a:r>
+          </a:p>
+          <a:p>
+            <a:pPr lvl="0">
+              <a:buFont typeface="Courier New" panose="02070309020205020404" pitchFamily="49" charset="0"/>
+              <a:buChar char="o"/>
+            </a:pPr>
+            <a:r>
+              <a:rPr lang="it-IT" i="1" u="sng" dirty="0" err="1"/>
+              <a:t>Handler</a:t>
+            </a:r>
+            <a:r>
+              <a:rPr lang="it-IT" dirty="0"/>
+              <a:t>: </a:t>
+            </a:r>
+            <a:r>
+              <a:rPr lang="it-IT" dirty="0" err="1"/>
+              <a:t>handles</a:t>
             </a:r>
             <a:r>
               <a:rPr lang="it-IT" dirty="0"/>
@@ -9587,31 +9807,39 @@
             </a:r>
             <a:r>
               <a:rPr lang="it-IT" dirty="0" err="1"/>
-              <a:t>logic</a:t>
+              <a:t>messages</a:t>
             </a:r>
             <a:r>
               <a:rPr lang="it-IT" dirty="0"/>
-              <a:t> to </a:t>
+              <a:t> from the client, </a:t>
             </a:r>
             <a:r>
               <a:rPr lang="it-IT" dirty="0" err="1"/>
-              <a:t>manipulate</a:t>
+              <a:t>adds</a:t>
             </a:r>
             <a:r>
               <a:rPr lang="it-IT" dirty="0"/>
-              <a:t> the </a:t>
+              <a:t> </a:t>
             </a:r>
             <a:r>
               <a:rPr lang="it-IT" dirty="0" err="1"/>
-              <a:t>queues</a:t>
+              <a:t>them</a:t>
             </a:r>
             <a:r>
               <a:rPr lang="it-IT" dirty="0"/>
-              <a:t> of </a:t>
+              <a:t> to the </a:t>
             </a:r>
             <a:r>
               <a:rPr lang="it-IT" dirty="0" err="1"/>
-              <a:t>messages</a:t>
+              <a:t>local</a:t>
+            </a:r>
+            <a:r>
+              <a:rPr lang="it-IT" dirty="0"/>
+              <a:t> </a:t>
+            </a:r>
+            <a:r>
+              <a:rPr lang="it-IT" dirty="0" err="1"/>
+              <a:t>queue</a:t>
             </a:r>
             <a:r>
               <a:rPr lang="it-IT" dirty="0"/>
@@ -9619,15 +9847,7 @@
             </a:r>
             <a:r>
               <a:rPr lang="it-IT" dirty="0" err="1"/>
-              <a:t>acks</a:t>
-            </a:r>
-            <a:r>
-              <a:rPr lang="it-IT" dirty="0"/>
-              <a:t> and </a:t>
-            </a:r>
-            <a:r>
-              <a:rPr lang="it-IT" dirty="0" err="1"/>
-              <a:t>executes</a:t>
+              <a:t>multicasts</a:t>
             </a:r>
             <a:r>
               <a:rPr lang="it-IT" dirty="0"/>
@@ -9635,15 +9855,23 @@
             </a:r>
             <a:r>
               <a:rPr lang="it-IT" dirty="0" err="1"/>
-              <a:t>reads</a:t>
+              <a:t>them</a:t>
             </a:r>
             <a:r>
               <a:rPr lang="it-IT" dirty="0"/>
-              <a:t> and </a:t>
+              <a:t> to the </a:t>
             </a:r>
             <a:r>
               <a:rPr lang="it-IT" dirty="0" err="1"/>
-              <a:t>writes</a:t>
+              <a:t>listening</a:t>
+            </a:r>
+            <a:r>
+              <a:rPr lang="it-IT" dirty="0"/>
+              <a:t> </a:t>
+            </a:r>
+            <a:r>
+              <a:rPr lang="it-IT" dirty="0" err="1"/>
+              <a:t>servers</a:t>
             </a:r>
             <a:endParaRPr lang="it-IT" dirty="0"/>
           </a:p>
@@ -9686,6 +9914,462 @@
             <a:fld id="{00000000-1234-1234-1234-123412341234}" type="slidenum">
               <a:rPr lang="en"/>
               <a:t>21</a:t>
+            </a:fld>
+            <a:endParaRPr/>
+          </a:p>
+        </p:txBody>
+      </p:sp>
+    </p:spTree>
+    <p:extLst>
+      <p:ext uri="{BB962C8B-B14F-4D97-AF65-F5344CB8AC3E}">
+        <p14:creationId xmlns:p14="http://schemas.microsoft.com/office/powerpoint/2010/main" val="1836740673"/>
+      </p:ext>
+    </p:extLst>
+  </p:cSld>
+  <p:clrMapOvr>
+    <a:masterClrMapping/>
+  </p:clrMapOvr>
+</p:sld>
+</file>
+
+<file path=ppt/slides/slide22.xml><?xml version="1.0" encoding="utf-8"?>
+<p:sld xmlns:a="http://schemas.openxmlformats.org/drawingml/2006/main" xmlns:r="http://schemas.openxmlformats.org/officeDocument/2006/relationships" xmlns:p="http://schemas.openxmlformats.org/presentationml/2006/main">
+  <p:cSld>
+    <p:spTree>
+      <p:nvGrpSpPr>
+        <p:cNvPr id="1" name="Shape 109"/>
+        <p:cNvGrpSpPr/>
+        <p:nvPr/>
+      </p:nvGrpSpPr>
+      <p:grpSpPr>
+        <a:xfrm>
+          <a:off x="0" y="0"/>
+          <a:ext cx="0" cy="0"/>
+          <a:chOff x="0" y="0"/>
+          <a:chExt cx="0" cy="0"/>
+        </a:xfrm>
+      </p:grpSpPr>
+      <p:sp>
+        <p:nvSpPr>
+          <p:cNvPr id="111" name="Shape 111"/>
+          <p:cNvSpPr txBox="1">
+            <a:spLocks noGrp="1"/>
+          </p:cNvSpPr>
+          <p:nvPr>
+            <p:ph type="body" idx="1"/>
+          </p:nvPr>
+        </p:nvSpPr>
+        <p:spPr>
+          <a:xfrm>
+            <a:off x="786150" y="1682267"/>
+            <a:ext cx="7571700" cy="4764900"/>
+          </a:xfrm>
+          <a:prstGeom prst="rect">
+            <a:avLst/>
+          </a:prstGeom>
+        </p:spPr>
+        <p:txBody>
+          <a:bodyPr spcFirstLastPara="1" wrap="square" lIns="91425" tIns="91425" rIns="91425" bIns="91425" anchor="t" anchorCtr="0">
+            <a:noAutofit/>
+          </a:bodyPr>
+          <a:lstStyle/>
+          <a:p>
+            <a:pPr lvl="0">
+              <a:buFont typeface="Courier New" panose="02070309020205020404" pitchFamily="49" charset="0"/>
+              <a:buChar char="o"/>
+            </a:pPr>
+            <a:r>
+              <a:rPr lang="it-IT" i="1" u="sng" dirty="0" err="1"/>
+              <a:t>Receiver</a:t>
+            </a:r>
+            <a:r>
+              <a:rPr lang="it-IT" dirty="0"/>
+              <a:t>: </a:t>
+            </a:r>
+            <a:r>
+              <a:rPr lang="it-IT" dirty="0" err="1"/>
+              <a:t>it’s</a:t>
+            </a:r>
+            <a:r>
+              <a:rPr lang="it-IT" dirty="0"/>
+              <a:t> the </a:t>
+            </a:r>
+            <a:r>
+              <a:rPr lang="it-IT" dirty="0" err="1"/>
+              <a:t>main</a:t>
+            </a:r>
+            <a:r>
+              <a:rPr lang="it-IT" dirty="0"/>
+              <a:t> component and </a:t>
+            </a:r>
+            <a:r>
+              <a:rPr lang="it-IT" dirty="0" err="1"/>
+              <a:t>includes</a:t>
+            </a:r>
+            <a:r>
+              <a:rPr lang="it-IT" dirty="0"/>
+              <a:t> the </a:t>
+            </a:r>
+            <a:r>
+              <a:rPr lang="it-IT" dirty="0" err="1"/>
+              <a:t>main</a:t>
+            </a:r>
+            <a:r>
+              <a:rPr lang="it-IT" dirty="0"/>
+              <a:t> </a:t>
+            </a:r>
+            <a:r>
+              <a:rPr lang="it-IT" dirty="0" err="1"/>
+              <a:t>logic</a:t>
+            </a:r>
+            <a:r>
+              <a:rPr lang="it-IT" dirty="0"/>
+              <a:t> to </a:t>
+            </a:r>
+            <a:r>
+              <a:rPr lang="it-IT" dirty="0" err="1"/>
+              <a:t>manage</a:t>
+            </a:r>
+            <a:r>
+              <a:rPr lang="it-IT" dirty="0"/>
+              <a:t> </a:t>
+            </a:r>
+            <a:r>
+              <a:rPr lang="it-IT" dirty="0" err="1"/>
+              <a:t>messages</a:t>
+            </a:r>
+            <a:r>
+              <a:rPr lang="it-IT" dirty="0"/>
+              <a:t>, </a:t>
+            </a:r>
+            <a:r>
+              <a:rPr lang="it-IT" dirty="0" err="1"/>
+              <a:t>acks</a:t>
+            </a:r>
+            <a:r>
+              <a:rPr lang="it-IT" dirty="0"/>
+              <a:t> and </a:t>
+            </a:r>
+            <a:r>
+              <a:rPr lang="it-IT" dirty="0" err="1"/>
+              <a:t>retransmissions</a:t>
+            </a:r>
+            <a:endParaRPr lang="it-IT" dirty="0"/>
+          </a:p>
+          <a:p>
+            <a:pPr lvl="0">
+              <a:buFont typeface="Courier New" panose="02070309020205020404" pitchFamily="49" charset="0"/>
+              <a:buChar char="o"/>
+            </a:pPr>
+            <a:r>
+              <a:rPr lang="it-IT" i="1" u="sng" dirty="0" err="1"/>
+              <a:t>Ticker</a:t>
+            </a:r>
+            <a:r>
+              <a:rPr lang="it-IT" dirty="0"/>
+              <a:t>: </a:t>
+            </a:r>
+            <a:r>
+              <a:rPr lang="it-IT" dirty="0" err="1"/>
+              <a:t>sends</a:t>
+            </a:r>
+            <a:r>
+              <a:rPr lang="it-IT" dirty="0"/>
+              <a:t> the «</a:t>
+            </a:r>
+            <a:r>
+              <a:rPr lang="it-IT" dirty="0" err="1"/>
+              <a:t>unlock</a:t>
+            </a:r>
+            <a:r>
+              <a:rPr lang="it-IT" dirty="0"/>
+              <a:t>» </a:t>
+            </a:r>
+            <a:r>
+              <a:rPr lang="it-IT" dirty="0" err="1"/>
+              <a:t>messages</a:t>
+            </a:r>
+            <a:r>
+              <a:rPr lang="it-IT" dirty="0"/>
+              <a:t> </a:t>
+            </a:r>
+            <a:r>
+              <a:rPr lang="it-IT" dirty="0" err="1"/>
+              <a:t>every</a:t>
+            </a:r>
+            <a:r>
+              <a:rPr lang="it-IT" dirty="0"/>
+              <a:t> X seconds to </a:t>
+            </a:r>
+            <a:r>
+              <a:rPr lang="it-IT" dirty="0" err="1"/>
+              <a:t>avoid</a:t>
+            </a:r>
+            <a:r>
+              <a:rPr lang="it-IT" dirty="0"/>
+              <a:t> </a:t>
+            </a:r>
+            <a:r>
+              <a:rPr lang="it-IT" dirty="0" err="1"/>
+              <a:t>stalls</a:t>
+            </a:r>
+            <a:r>
+              <a:rPr lang="it-IT" dirty="0"/>
+              <a:t> in </a:t>
+            </a:r>
+            <a:r>
+              <a:rPr lang="it-IT" dirty="0" err="1"/>
+              <a:t>blocking</a:t>
+            </a:r>
+            <a:r>
+              <a:rPr lang="it-IT" dirty="0"/>
+              <a:t> </a:t>
+            </a:r>
+            <a:r>
+              <a:rPr lang="it-IT" dirty="0" err="1"/>
+              <a:t>primitives</a:t>
+            </a:r>
+            <a:r>
+              <a:rPr lang="it-IT" dirty="0"/>
+              <a:t> (</a:t>
+            </a:r>
+            <a:r>
+              <a:rPr lang="it-IT" dirty="0" err="1"/>
+              <a:t>messages</a:t>
+            </a:r>
+            <a:r>
+              <a:rPr lang="it-IT" dirty="0"/>
+              <a:t> </a:t>
+            </a:r>
+            <a:r>
+              <a:rPr lang="it-IT" dirty="0" err="1"/>
+              <a:t>acceptance</a:t>
+            </a:r>
+            <a:r>
+              <a:rPr lang="it-IT" dirty="0"/>
+              <a:t>)</a:t>
+            </a:r>
+          </a:p>
+        </p:txBody>
+      </p:sp>
+      <p:sp>
+        <p:nvSpPr>
+          <p:cNvPr id="112" name="Shape 112"/>
+          <p:cNvSpPr txBox="1">
+            <a:spLocks noGrp="1"/>
+          </p:cNvSpPr>
+          <p:nvPr>
+            <p:ph type="sldNum" idx="12"/>
+          </p:nvPr>
+        </p:nvSpPr>
+        <p:spPr>
+          <a:xfrm>
+            <a:off x="8404384" y="6333134"/>
+            <a:ext cx="548700" cy="525000"/>
+          </a:xfrm>
+          <a:prstGeom prst="rect">
+            <a:avLst/>
+          </a:prstGeom>
+        </p:spPr>
+        <p:txBody>
+          <a:bodyPr spcFirstLastPara="1" wrap="square" lIns="91425" tIns="91425" rIns="91425" bIns="91425" anchor="t" anchorCtr="0">
+            <a:noAutofit/>
+          </a:bodyPr>
+          <a:lstStyle/>
+          <a:p>
+            <a:pPr marL="0" lvl="0" indent="0">
+              <a:spcBef>
+                <a:spcPts val="0"/>
+              </a:spcBef>
+              <a:spcAft>
+                <a:spcPts val="0"/>
+              </a:spcAft>
+              <a:buNone/>
+            </a:pPr>
+            <a:fld id="{00000000-1234-1234-1234-123412341234}" type="slidenum">
+              <a:rPr lang="en"/>
+              <a:t>22</a:t>
+            </a:fld>
+            <a:endParaRPr/>
+          </a:p>
+        </p:txBody>
+      </p:sp>
+    </p:spTree>
+    <p:extLst>
+      <p:ext uri="{BB962C8B-B14F-4D97-AF65-F5344CB8AC3E}">
+        <p14:creationId xmlns:p14="http://schemas.microsoft.com/office/powerpoint/2010/main" val="3438543559"/>
+      </p:ext>
+    </p:extLst>
+  </p:cSld>
+  <p:clrMapOvr>
+    <a:masterClrMapping/>
+  </p:clrMapOvr>
+</p:sld>
+</file>
+
+<file path=ppt/slides/slide23.xml><?xml version="1.0" encoding="utf-8"?>
+<p:sld xmlns:a="http://schemas.openxmlformats.org/drawingml/2006/main" xmlns:r="http://schemas.openxmlformats.org/officeDocument/2006/relationships" xmlns:p="http://schemas.openxmlformats.org/presentationml/2006/main">
+  <p:cSld>
+    <p:spTree>
+      <p:nvGrpSpPr>
+        <p:cNvPr id="1" name="Shape 109"/>
+        <p:cNvGrpSpPr/>
+        <p:nvPr/>
+      </p:nvGrpSpPr>
+      <p:grpSpPr>
+        <a:xfrm>
+          <a:off x="0" y="0"/>
+          <a:ext cx="0" cy="0"/>
+          <a:chOff x="0" y="0"/>
+          <a:chExt cx="0" cy="0"/>
+        </a:xfrm>
+      </p:grpSpPr>
+      <p:sp>
+        <p:nvSpPr>
+          <p:cNvPr id="111" name="Shape 111"/>
+          <p:cNvSpPr txBox="1">
+            <a:spLocks noGrp="1"/>
+          </p:cNvSpPr>
+          <p:nvPr>
+            <p:ph type="body" idx="1"/>
+          </p:nvPr>
+        </p:nvSpPr>
+        <p:spPr>
+          <a:xfrm>
+            <a:off x="786150" y="1682267"/>
+            <a:ext cx="7571700" cy="4764900"/>
+          </a:xfrm>
+          <a:prstGeom prst="rect">
+            <a:avLst/>
+          </a:prstGeom>
+        </p:spPr>
+        <p:txBody>
+          <a:bodyPr spcFirstLastPara="1" wrap="square" lIns="91425" tIns="91425" rIns="91425" bIns="91425" anchor="t" anchorCtr="0">
+            <a:noAutofit/>
+          </a:bodyPr>
+          <a:lstStyle/>
+          <a:p>
+            <a:pPr lvl="0">
+              <a:buFont typeface="Courier New" panose="02070309020205020404" pitchFamily="49" charset="0"/>
+              <a:buChar char="o"/>
+            </a:pPr>
+            <a:r>
+              <a:rPr lang="it-IT" i="1" u="sng" dirty="0"/>
+              <a:t>Queue</a:t>
+            </a:r>
+            <a:r>
+              <a:rPr lang="it-IT" dirty="0"/>
+              <a:t>: </a:t>
+            </a:r>
+            <a:r>
+              <a:rPr lang="it-IT" dirty="0" err="1"/>
+              <a:t>contains</a:t>
+            </a:r>
+            <a:r>
+              <a:rPr lang="it-IT" dirty="0"/>
+              <a:t> the </a:t>
+            </a:r>
+            <a:r>
+              <a:rPr lang="it-IT" dirty="0" err="1"/>
+              <a:t>logic</a:t>
+            </a:r>
+            <a:r>
+              <a:rPr lang="it-IT" dirty="0"/>
+              <a:t> to </a:t>
+            </a:r>
+            <a:r>
+              <a:rPr lang="it-IT" dirty="0" err="1"/>
+              <a:t>manipulate</a:t>
+            </a:r>
+            <a:r>
+              <a:rPr lang="it-IT" dirty="0"/>
+              <a:t> the </a:t>
+            </a:r>
+            <a:r>
+              <a:rPr lang="it-IT" dirty="0" err="1"/>
+              <a:t>queues</a:t>
+            </a:r>
+            <a:r>
+              <a:rPr lang="it-IT" dirty="0"/>
+              <a:t> of </a:t>
+            </a:r>
+            <a:r>
+              <a:rPr lang="it-IT" dirty="0" err="1"/>
+              <a:t>messages</a:t>
+            </a:r>
+            <a:r>
+              <a:rPr lang="it-IT" dirty="0"/>
+              <a:t> and </a:t>
+            </a:r>
+            <a:r>
+              <a:rPr lang="it-IT" dirty="0" err="1"/>
+              <a:t>acks</a:t>
+            </a:r>
+            <a:r>
+              <a:rPr lang="it-IT" dirty="0"/>
+              <a:t> and </a:t>
+            </a:r>
+            <a:r>
+              <a:rPr lang="it-IT" dirty="0" err="1"/>
+              <a:t>executes</a:t>
+            </a:r>
+            <a:r>
+              <a:rPr lang="it-IT" dirty="0"/>
+              <a:t> </a:t>
+            </a:r>
+            <a:r>
+              <a:rPr lang="it-IT" dirty="0" err="1"/>
+              <a:t>reads</a:t>
+            </a:r>
+            <a:r>
+              <a:rPr lang="it-IT" dirty="0"/>
+              <a:t> and </a:t>
+            </a:r>
+            <a:r>
+              <a:rPr lang="it-IT" dirty="0" err="1"/>
+              <a:t>writes</a:t>
+            </a:r>
+            <a:endParaRPr lang="it-IT" dirty="0"/>
+          </a:p>
+        </p:txBody>
+      </p:sp>
+      <p:sp>
+        <p:nvSpPr>
+          <p:cNvPr id="112" name="Shape 112"/>
+          <p:cNvSpPr txBox="1">
+            <a:spLocks noGrp="1"/>
+          </p:cNvSpPr>
+          <p:nvPr>
+            <p:ph type="sldNum" idx="12"/>
+          </p:nvPr>
+        </p:nvSpPr>
+        <p:spPr>
+          <a:xfrm>
+            <a:off x="8404384" y="6333134"/>
+            <a:ext cx="548700" cy="525000"/>
+          </a:xfrm>
+          <a:prstGeom prst="rect">
+            <a:avLst/>
+          </a:prstGeom>
+        </p:spPr>
+        <p:txBody>
+          <a:bodyPr spcFirstLastPara="1" wrap="square" lIns="91425" tIns="91425" rIns="91425" bIns="91425" anchor="t" anchorCtr="0">
+            <a:noAutofit/>
+          </a:bodyPr>
+          <a:lstStyle/>
+          <a:p>
+            <a:pPr marL="0" lvl="0" indent="0">
+              <a:spcBef>
+                <a:spcPts val="0"/>
+              </a:spcBef>
+              <a:spcAft>
+                <a:spcPts val="0"/>
+              </a:spcAft>
+              <a:buNone/>
+            </a:pPr>
+            <a:fld id="{00000000-1234-1234-1234-123412341234}" type="slidenum">
+              <a:rPr lang="en"/>
+              <a:t>23</a:t>
             </a:fld>
             <a:endParaRPr/>
           </a:p>
@@ -9704,7 +10388,7 @@
 </p:sld>
 </file>
 
-<file path=ppt/slides/slide22.xml><?xml version="1.0" encoding="utf-8"?>
+<file path=ppt/slides/slide24.xml><?xml version="1.0" encoding="utf-8"?>
 <p:sld xmlns:a="http://schemas.openxmlformats.org/drawingml/2006/main" xmlns:r="http://schemas.openxmlformats.org/officeDocument/2006/relationships" xmlns:p="http://schemas.openxmlformats.org/presentationml/2006/main">
   <p:cSld>
     <p:spTree>
@@ -9757,7 +10441,7 @@
             </a:pPr>
             <a:fld id="{00000000-1234-1234-1234-123412341234}" type="slidenum">
               <a:rPr lang="en"/>
-              <a:t>22</a:t>
+              <a:t>24</a:t>
             </a:fld>
             <a:endParaRPr/>
           </a:p>
@@ -9806,7 +10490,7 @@
 </p:sld>
 </file>
 
-<file path=ppt/slides/slide23.xml><?xml version="1.0" encoding="utf-8"?>
+<file path=ppt/slides/slide25.xml><?xml version="1.0" encoding="utf-8"?>
 <p:sld xmlns:a="http://schemas.openxmlformats.org/drawingml/2006/main" xmlns:r="http://schemas.openxmlformats.org/officeDocument/2006/relationships" xmlns:p="http://schemas.openxmlformats.org/presentationml/2006/main">
   <p:cSld>
     <p:spTree>
@@ -9859,7 +10543,7 @@
             </a:pPr>
             <a:fld id="{00000000-1234-1234-1234-123412341234}" type="slidenum">
               <a:rPr lang="en"/>
-              <a:t>23</a:t>
+              <a:t>25</a:t>
             </a:fld>
             <a:endParaRPr/>
           </a:p>
@@ -9908,7 +10592,7 @@
 </p:sld>
 </file>
 
-<file path=ppt/slides/slide24.xml><?xml version="1.0" encoding="utf-8"?>
+<file path=ppt/slides/slide26.xml><?xml version="1.0" encoding="utf-8"?>
 <p:sld xmlns:a="http://schemas.openxmlformats.org/drawingml/2006/main" xmlns:r="http://schemas.openxmlformats.org/officeDocument/2006/relationships" xmlns:p="http://schemas.openxmlformats.org/presentationml/2006/main">
   <p:cSld>
     <p:spTree>
@@ -10044,7 +10728,7 @@
             </a:pPr>
             <a:fld id="{00000000-1234-1234-1234-123412341234}" type="slidenum">
               <a:rPr lang="en"/>
-              <a:t>24</a:t>
+              <a:t>26</a:t>
             </a:fld>
             <a:endParaRPr/>
           </a:p>
@@ -10058,7 +10742,7 @@
 </p:sld>
 </file>
 
-<file path=ppt/slides/slide25.xml><?xml version="1.0" encoding="utf-8"?>
+<file path=ppt/slides/slide27.xml><?xml version="1.0" encoding="utf-8"?>
 <p:sld xmlns:a="http://schemas.openxmlformats.org/drawingml/2006/main" xmlns:r="http://schemas.openxmlformats.org/officeDocument/2006/relationships" xmlns:p="http://schemas.openxmlformats.org/presentationml/2006/main">
   <p:cSld>
     <p:spTree>
@@ -10111,7 +10795,7 @@
             </a:pPr>
             <a:fld id="{00000000-1234-1234-1234-123412341234}" type="slidenum">
               <a:rPr lang="en"/>
-              <a:t>25</a:t>
+              <a:t>27</a:t>
             </a:fld>
             <a:endParaRPr/>
           </a:p>
